--- a/janala.pptx
+++ b/janala.pptx
@@ -290,7 +290,7 @@
           <a:p>
             <a:fld id="{AE8DA00F-06BA-5B45-B076-7DB8B868C6E5}" type="datetimeFigureOut">
               <a:rPr lang="en-US" smtClean="0"/>
-              <a:t>6/26/12</a:t>
+              <a:t>7/9/12</a:t>
             </a:fld>
             <a:endParaRPr lang="en-US"/>
           </a:p>
@@ -460,7 +460,7 @@
           <a:p>
             <a:fld id="{AE8DA00F-06BA-5B45-B076-7DB8B868C6E5}" type="datetimeFigureOut">
               <a:rPr lang="en-US" smtClean="0"/>
-              <a:t>6/26/12</a:t>
+              <a:t>7/9/12</a:t>
             </a:fld>
             <a:endParaRPr lang="en-US"/>
           </a:p>
@@ -640,7 +640,7 @@
           <a:p>
             <a:fld id="{AE8DA00F-06BA-5B45-B076-7DB8B868C6E5}" type="datetimeFigureOut">
               <a:rPr lang="en-US" smtClean="0"/>
-              <a:t>6/26/12</a:t>
+              <a:t>7/9/12</a:t>
             </a:fld>
             <a:endParaRPr lang="en-US"/>
           </a:p>
@@ -810,7 +810,7 @@
           <a:p>
             <a:fld id="{AE8DA00F-06BA-5B45-B076-7DB8B868C6E5}" type="datetimeFigureOut">
               <a:rPr lang="en-US" smtClean="0"/>
-              <a:t>6/26/12</a:t>
+              <a:t>7/9/12</a:t>
             </a:fld>
             <a:endParaRPr lang="en-US"/>
           </a:p>
@@ -1056,7 +1056,7 @@
           <a:p>
             <a:fld id="{AE8DA00F-06BA-5B45-B076-7DB8B868C6E5}" type="datetimeFigureOut">
               <a:rPr lang="en-US" smtClean="0"/>
-              <a:t>6/26/12</a:t>
+              <a:t>7/9/12</a:t>
             </a:fld>
             <a:endParaRPr lang="en-US"/>
           </a:p>
@@ -1344,7 +1344,7 @@
           <a:p>
             <a:fld id="{AE8DA00F-06BA-5B45-B076-7DB8B868C6E5}" type="datetimeFigureOut">
               <a:rPr lang="en-US" smtClean="0"/>
-              <a:t>6/26/12</a:t>
+              <a:t>7/9/12</a:t>
             </a:fld>
             <a:endParaRPr lang="en-US"/>
           </a:p>
@@ -1766,7 +1766,7 @@
           <a:p>
             <a:fld id="{AE8DA00F-06BA-5B45-B076-7DB8B868C6E5}" type="datetimeFigureOut">
               <a:rPr lang="en-US" smtClean="0"/>
-              <a:t>6/26/12</a:t>
+              <a:t>7/9/12</a:t>
             </a:fld>
             <a:endParaRPr lang="en-US"/>
           </a:p>
@@ -1884,7 +1884,7 @@
           <a:p>
             <a:fld id="{AE8DA00F-06BA-5B45-B076-7DB8B868C6E5}" type="datetimeFigureOut">
               <a:rPr lang="en-US" smtClean="0"/>
-              <a:t>6/26/12</a:t>
+              <a:t>7/9/12</a:t>
             </a:fld>
             <a:endParaRPr lang="en-US"/>
           </a:p>
@@ -1979,7 +1979,7 @@
           <a:p>
             <a:fld id="{AE8DA00F-06BA-5B45-B076-7DB8B868C6E5}" type="datetimeFigureOut">
               <a:rPr lang="en-US" smtClean="0"/>
-              <a:t>6/26/12</a:t>
+              <a:t>7/9/12</a:t>
             </a:fld>
             <a:endParaRPr lang="en-US"/>
           </a:p>
@@ -2256,7 +2256,7 @@
           <a:p>
             <a:fld id="{AE8DA00F-06BA-5B45-B076-7DB8B868C6E5}" type="datetimeFigureOut">
               <a:rPr lang="en-US" smtClean="0"/>
-              <a:t>6/26/12</a:t>
+              <a:t>7/9/12</a:t>
             </a:fld>
             <a:endParaRPr lang="en-US"/>
           </a:p>
@@ -2509,7 +2509,7 @@
           <a:p>
             <a:fld id="{AE8DA00F-06BA-5B45-B076-7DB8B868C6E5}" type="datetimeFigureOut">
               <a:rPr lang="en-US" smtClean="0"/>
-              <a:t>6/26/12</a:t>
+              <a:t>7/9/12</a:t>
             </a:fld>
             <a:endParaRPr lang="en-US"/>
           </a:p>
@@ -2722,7 +2722,7 @@
           <a:p>
             <a:fld id="{AE8DA00F-06BA-5B45-B076-7DB8B868C6E5}" type="datetimeFigureOut">
               <a:rPr lang="en-US" smtClean="0"/>
-              <a:t>6/26/12</a:t>
+              <a:t>7/9/12</a:t>
             </a:fld>
             <a:endParaRPr lang="en-US"/>
           </a:p>
@@ -3955,21 +3955,12 @@
           <a:lstStyle/>
           <a:p>
             <a:r>
+              <a:rPr lang="en-US" sz="1800" smtClean="0"/>
+              <a:t>Handles </a:t>
+            </a:r>
+            <a:r>
               <a:rPr lang="en-US" sz="1800" dirty="0" smtClean="0"/>
-              <a:t>Didn’t end up using WISE</a:t>
-            </a:r>
-          </a:p>
-          <a:p>
-            <a:pPr lvl="1"/>
-            <a:r>
-              <a:rPr lang="en-US" sz="1400" dirty="0" smtClean="0"/>
-              <a:t>11K LOC so far</a:t>
-            </a:r>
-          </a:p>
-          <a:p>
-            <a:r>
-              <a:rPr lang="en-US" sz="1800" dirty="0" smtClean="0"/>
-              <a:t>Handles integral types (</a:t>
+              <a:t>integral types (</a:t>
             </a:r>
             <a:r>
               <a:rPr lang="en-US" sz="1800" dirty="0" err="1" smtClean="0"/>
@@ -4035,22 +4026,9 @@
           <a:p>
             <a:r>
               <a:rPr lang="en-US" sz="1800" dirty="0" smtClean="0"/>
-              <a:t>Need to handle String</a:t>
-            </a:r>
-          </a:p>
-          <a:p>
-            <a:r>
-              <a:rPr lang="en-US" sz="1800" dirty="0" smtClean="0"/>
-              <a:t>Need to handle Objects such as </a:t>
-            </a:r>
-            <a:r>
-              <a:rPr lang="en-US" sz="1800" dirty="0" err="1" smtClean="0"/>
-              <a:t>ArrayList</a:t>
-            </a:r>
-            <a:r>
-              <a:rPr lang="en-US" sz="1800" dirty="0" smtClean="0"/>
-              <a:t>, Lists etc. and native calls abstractly</a:t>
-            </a:r>
+              <a:t>Handle String equals.</a:t>
+            </a:r>
+            <a:endParaRPr lang="en-US" sz="1800" dirty="0" smtClean="0"/>
           </a:p>
           <a:p>
             <a:r>
@@ -4085,45 +4063,31 @@
           <a:p>
             <a:r>
               <a:rPr lang="en-US" sz="1800" dirty="0" smtClean="0"/>
-              <a:t>Override </a:t>
+              <a:t>Extend </a:t>
             </a:r>
             <a:r>
               <a:rPr lang="en-US" sz="1800" dirty="0" err="1" smtClean="0"/>
-              <a:t>janala.solvers.History</a:t>
+              <a:t>janala.solvers.Strategy</a:t>
             </a:r>
             <a:r>
               <a:rPr lang="en-US" sz="1800" dirty="0" smtClean="0"/>
-              <a:t> (public void </a:t>
-            </a:r>
+              <a:t> to </a:t>
+            </a:r>
+            <a:r>
+              <a:rPr lang="en-US" sz="1800" dirty="0" smtClean="0"/>
+              <a:t>implement custom search strategies</a:t>
+            </a:r>
+          </a:p>
+          <a:p>
             <a:r>
               <a:rPr lang="en-US" sz="1800" dirty="0" err="1" smtClean="0"/>
-              <a:t>solveAndSave</a:t>
+              <a:t>database.table</a:t>
             </a:r>
             <a:r>
               <a:rPr lang="en-US" sz="1800" dirty="0" smtClean="0"/>
-              <a:t>(</a:t>
-            </a:r>
-            <a:r>
-              <a:rPr lang="en-US" sz="1800" dirty="0" err="1" smtClean="0"/>
-              <a:t>ArrayList</a:t>
-            </a:r>
-            <a:r>
-              <a:rPr lang="en-US" sz="1800" dirty="0" smtClean="0"/>
-              <a:t>&lt;Value&gt; inputs)) to implement custom search strategies</a:t>
-            </a:r>
-          </a:p>
-          <a:p>
-            <a:r>
-              <a:rPr lang="en-US" sz="1800" dirty="0" smtClean="0"/>
-              <a:t>No solution for handling SQL queries</a:t>
-            </a:r>
-          </a:p>
-          <a:p>
-            <a:pPr lvl="1"/>
-            <a:r>
-              <a:rPr lang="en-US" sz="1400" dirty="0" smtClean="0"/>
-              <a:t>Probably use Arrays and Tuples to model tables</a:t>
-            </a:r>
+              <a:t>.* has libraries for modeling SQL queries and creating symbolic databases</a:t>
+            </a:r>
+            <a:endParaRPr lang="en-US" sz="1400" dirty="0" smtClean="0"/>
           </a:p>
         </p:txBody>
       </p:sp>

--- a/janala.pptx
+++ b/janala.pptx
@@ -8,6 +8,16 @@
     <p:sldId id="256" r:id="rId2"/>
     <p:sldId id="257" r:id="rId3"/>
     <p:sldId id="258" r:id="rId4"/>
+    <p:sldId id="260" r:id="rId5"/>
+    <p:sldId id="261" r:id="rId6"/>
+    <p:sldId id="259" r:id="rId7"/>
+    <p:sldId id="262" r:id="rId8"/>
+    <p:sldId id="263" r:id="rId9"/>
+    <p:sldId id="264" r:id="rId10"/>
+    <p:sldId id="265" r:id="rId11"/>
+    <p:sldId id="266" r:id="rId12"/>
+    <p:sldId id="267" r:id="rId13"/>
+    <p:sldId id="268" r:id="rId14"/>
   </p:sldIdLst>
   <p:sldSz cx="9144000" cy="6858000" type="screen4x3"/>
   <p:notesSz cx="6858000" cy="9144000"/>
@@ -290,7 +300,7 @@
           <a:p>
             <a:fld id="{AE8DA00F-06BA-5B45-B076-7DB8B868C6E5}" type="datetimeFigureOut">
               <a:rPr lang="en-US" smtClean="0"/>
-              <a:t>7/9/12</a:t>
+              <a:t>12/15/13</a:t>
             </a:fld>
             <a:endParaRPr lang="en-US"/>
           </a:p>
@@ -460,7 +470,7 @@
           <a:p>
             <a:fld id="{AE8DA00F-06BA-5B45-B076-7DB8B868C6E5}" type="datetimeFigureOut">
               <a:rPr lang="en-US" smtClean="0"/>
-              <a:t>7/9/12</a:t>
+              <a:t>12/15/13</a:t>
             </a:fld>
             <a:endParaRPr lang="en-US"/>
           </a:p>
@@ -640,7 +650,7 @@
           <a:p>
             <a:fld id="{AE8DA00F-06BA-5B45-B076-7DB8B868C6E5}" type="datetimeFigureOut">
               <a:rPr lang="en-US" smtClean="0"/>
-              <a:t>7/9/12</a:t>
+              <a:t>12/15/13</a:t>
             </a:fld>
             <a:endParaRPr lang="en-US"/>
           </a:p>
@@ -810,7 +820,7 @@
           <a:p>
             <a:fld id="{AE8DA00F-06BA-5B45-B076-7DB8B868C6E5}" type="datetimeFigureOut">
               <a:rPr lang="en-US" smtClean="0"/>
-              <a:t>7/9/12</a:t>
+              <a:t>12/15/13</a:t>
             </a:fld>
             <a:endParaRPr lang="en-US"/>
           </a:p>
@@ -1056,7 +1066,7 @@
           <a:p>
             <a:fld id="{AE8DA00F-06BA-5B45-B076-7DB8B868C6E5}" type="datetimeFigureOut">
               <a:rPr lang="en-US" smtClean="0"/>
-              <a:t>7/9/12</a:t>
+              <a:t>12/15/13</a:t>
             </a:fld>
             <a:endParaRPr lang="en-US"/>
           </a:p>
@@ -1344,7 +1354,7 @@
           <a:p>
             <a:fld id="{AE8DA00F-06BA-5B45-B076-7DB8B868C6E5}" type="datetimeFigureOut">
               <a:rPr lang="en-US" smtClean="0"/>
-              <a:t>7/9/12</a:t>
+              <a:t>12/15/13</a:t>
             </a:fld>
             <a:endParaRPr lang="en-US"/>
           </a:p>
@@ -1766,7 +1776,7 @@
           <a:p>
             <a:fld id="{AE8DA00F-06BA-5B45-B076-7DB8B868C6E5}" type="datetimeFigureOut">
               <a:rPr lang="en-US" smtClean="0"/>
-              <a:t>7/9/12</a:t>
+              <a:t>12/15/13</a:t>
             </a:fld>
             <a:endParaRPr lang="en-US"/>
           </a:p>
@@ -1884,7 +1894,7 @@
           <a:p>
             <a:fld id="{AE8DA00F-06BA-5B45-B076-7DB8B868C6E5}" type="datetimeFigureOut">
               <a:rPr lang="en-US" smtClean="0"/>
-              <a:t>7/9/12</a:t>
+              <a:t>12/15/13</a:t>
             </a:fld>
             <a:endParaRPr lang="en-US"/>
           </a:p>
@@ -1979,7 +1989,7 @@
           <a:p>
             <a:fld id="{AE8DA00F-06BA-5B45-B076-7DB8B868C6E5}" type="datetimeFigureOut">
               <a:rPr lang="en-US" smtClean="0"/>
-              <a:t>7/9/12</a:t>
+              <a:t>12/15/13</a:t>
             </a:fld>
             <a:endParaRPr lang="en-US"/>
           </a:p>
@@ -2256,7 +2266,7 @@
           <a:p>
             <a:fld id="{AE8DA00F-06BA-5B45-B076-7DB8B868C6E5}" type="datetimeFigureOut">
               <a:rPr lang="en-US" smtClean="0"/>
-              <a:t>7/9/12</a:t>
+              <a:t>12/15/13</a:t>
             </a:fld>
             <a:endParaRPr lang="en-US"/>
           </a:p>
@@ -2509,7 +2519,7 @@
           <a:p>
             <a:fld id="{AE8DA00F-06BA-5B45-B076-7DB8B868C6E5}" type="datetimeFigureOut">
               <a:rPr lang="en-US" smtClean="0"/>
-              <a:t>7/9/12</a:t>
+              <a:t>12/15/13</a:t>
             </a:fld>
             <a:endParaRPr lang="en-US"/>
           </a:p>
@@ -2722,7 +2732,7 @@
           <a:p>
             <a:fld id="{AE8DA00F-06BA-5B45-B076-7DB8B868C6E5}" type="datetimeFigureOut">
               <a:rPr lang="en-US" smtClean="0"/>
-              <a:t>7/9/12</a:t>
+              <a:t>12/15/13</a:t>
             </a:fld>
             <a:endParaRPr lang="en-US"/>
           </a:p>
@@ -3172,6 +3182,1681 @@
 </p:sld>
 </file>
 
+<file path=ppt/slides/slide10.xml><?xml version="1.0" encoding="utf-8"?>
+<p:sld xmlns:a="http://schemas.openxmlformats.org/drawingml/2006/main" xmlns:r="http://schemas.openxmlformats.org/officeDocument/2006/relationships" xmlns:p="http://schemas.openxmlformats.org/presentationml/2006/main">
+  <p:cSld>
+    <p:spTree>
+      <p:nvGrpSpPr>
+        <p:cNvPr id="1" name=""/>
+        <p:cNvGrpSpPr/>
+        <p:nvPr/>
+      </p:nvGrpSpPr>
+      <p:grpSpPr>
+        <a:xfrm>
+          <a:off x="0" y="0"/>
+          <a:ext cx="0" cy="0"/>
+          <a:chOff x="0" y="0"/>
+          <a:chExt cx="0" cy="0"/>
+        </a:xfrm>
+      </p:grpSpPr>
+      <p:sp>
+        <p:nvSpPr>
+          <p:cNvPr id="2" name="Title 1"/>
+          <p:cNvSpPr>
+            <a:spLocks noGrp="1"/>
+          </p:cNvSpPr>
+          <p:nvPr>
+            <p:ph type="title"/>
+          </p:nvPr>
+        </p:nvSpPr>
+        <p:spPr/>
+        <p:txBody>
+          <a:bodyPr/>
+          <a:lstStyle/>
+          <a:p>
+            <a:r>
+              <a:rPr lang="en-US" dirty="0" smtClean="0"/>
+              <a:t>Data annotation: </a:t>
+            </a:r>
+            <a:r>
+              <a:rPr lang="en-US" dirty="0" err="1" smtClean="0"/>
+              <a:t>abstractXXX</a:t>
+            </a:r>
+            <a:r>
+              <a:rPr lang="en-US" dirty="0" smtClean="0"/>
+              <a:t>()</a:t>
+            </a:r>
+            <a:endParaRPr lang="en-US" dirty="0"/>
+          </a:p>
+        </p:txBody>
+      </p:sp>
+      <p:sp>
+        <p:nvSpPr>
+          <p:cNvPr id="3" name="Content Placeholder 2"/>
+          <p:cNvSpPr>
+            <a:spLocks noGrp="1"/>
+          </p:cNvSpPr>
+          <p:nvPr>
+            <p:ph idx="1"/>
+          </p:nvPr>
+        </p:nvSpPr>
+        <p:spPr/>
+        <p:txBody>
+          <a:bodyPr>
+            <a:normAutofit fontScale="70000" lnSpcReduction="20000"/>
+          </a:bodyPr>
+          <a:lstStyle/>
+          <a:p>
+            <a:pPr marL="0" indent="0">
+              <a:buNone/>
+            </a:pPr>
+            <a:r>
+              <a:rPr lang="en-US" dirty="0" smtClean="0"/>
+              <a:t>API:</a:t>
+            </a:r>
+          </a:p>
+          <a:p>
+            <a:pPr lvl="1"/>
+            <a:r>
+              <a:rPr lang="en-US" dirty="0" smtClean="0">
+                <a:solidFill>
+                  <a:srgbClr val="FF0000"/>
+                </a:solidFill>
+              </a:rPr>
+              <a:t>void </a:t>
+            </a:r>
+            <a:r>
+              <a:rPr lang="en-US" dirty="0" err="1">
+                <a:solidFill>
+                  <a:srgbClr val="FF0000"/>
+                </a:solidFill>
+              </a:rPr>
+              <a:t>CATG.BeginScope</a:t>
+            </a:r>
+            <a:r>
+              <a:rPr lang="en-US" dirty="0">
+                <a:solidFill>
+                  <a:srgbClr val="FF0000"/>
+                </a:solidFill>
+              </a:rPr>
+              <a:t>()</a:t>
+            </a:r>
+          </a:p>
+          <a:p>
+            <a:pPr lvl="1"/>
+            <a:r>
+              <a:rPr lang="en-US" dirty="0" smtClean="0">
+                <a:solidFill>
+                  <a:srgbClr val="FF0000"/>
+                </a:solidFill>
+              </a:rPr>
+              <a:t>void </a:t>
+            </a:r>
+            <a:r>
+              <a:rPr lang="en-US" dirty="0" err="1">
+                <a:solidFill>
+                  <a:srgbClr val="FF0000"/>
+                </a:solidFill>
+              </a:rPr>
+              <a:t>CATG.EndScope</a:t>
+            </a:r>
+            <a:r>
+              <a:rPr lang="en-US" dirty="0">
+                <a:solidFill>
+                  <a:srgbClr val="FF0000"/>
+                </a:solidFill>
+              </a:rPr>
+              <a:t>()</a:t>
+            </a:r>
+          </a:p>
+          <a:p>
+            <a:pPr lvl="1"/>
+            <a:r>
+              <a:rPr lang="en-US" dirty="0" err="1" smtClean="0">
+                <a:solidFill>
+                  <a:srgbClr val="FF0000"/>
+                </a:solidFill>
+              </a:rPr>
+              <a:t>int</a:t>
+            </a:r>
+            <a:r>
+              <a:rPr lang="en-US" dirty="0" smtClean="0">
+                <a:solidFill>
+                  <a:srgbClr val="FF0000"/>
+                </a:solidFill>
+              </a:rPr>
+              <a:t> </a:t>
+            </a:r>
+            <a:r>
+              <a:rPr lang="en-US" dirty="0" err="1">
+                <a:solidFill>
+                  <a:srgbClr val="FF0000"/>
+                </a:solidFill>
+              </a:rPr>
+              <a:t>CATG.abstractInt</a:t>
+            </a:r>
+            <a:r>
+              <a:rPr lang="en-US" dirty="0">
+                <a:solidFill>
+                  <a:srgbClr val="FF0000"/>
+                </a:solidFill>
+              </a:rPr>
+              <a:t>(</a:t>
+            </a:r>
+            <a:r>
+              <a:rPr lang="en-US" dirty="0" err="1">
+                <a:solidFill>
+                  <a:srgbClr val="FF0000"/>
+                </a:solidFill>
+              </a:rPr>
+              <a:t>int</a:t>
+            </a:r>
+            <a:r>
+              <a:rPr lang="en-US" dirty="0">
+                <a:solidFill>
+                  <a:srgbClr val="FF0000"/>
+                </a:solidFill>
+              </a:rPr>
+              <a:t> x)</a:t>
+            </a:r>
+          </a:p>
+          <a:p>
+            <a:pPr lvl="1"/>
+            <a:r>
+              <a:rPr lang="en-US" dirty="0" err="1" smtClean="0">
+                <a:solidFill>
+                  <a:srgbClr val="FF0000"/>
+                </a:solidFill>
+              </a:rPr>
+              <a:t>boolean</a:t>
+            </a:r>
+            <a:r>
+              <a:rPr lang="en-US" dirty="0" smtClean="0">
+                <a:solidFill>
+                  <a:srgbClr val="FF0000"/>
+                </a:solidFill>
+              </a:rPr>
+              <a:t> </a:t>
+            </a:r>
+            <a:r>
+              <a:rPr lang="en-US" dirty="0" err="1">
+                <a:solidFill>
+                  <a:srgbClr val="FF0000"/>
+                </a:solidFill>
+              </a:rPr>
+              <a:t>CATG.abstractBool</a:t>
+            </a:r>
+            <a:r>
+              <a:rPr lang="en-US" dirty="0">
+                <a:solidFill>
+                  <a:srgbClr val="FF0000"/>
+                </a:solidFill>
+              </a:rPr>
+              <a:t>()</a:t>
+            </a:r>
+          </a:p>
+          <a:p>
+            <a:pPr lvl="1"/>
+            <a:r>
+              <a:rPr lang="en-US" dirty="0" smtClean="0">
+                <a:solidFill>
+                  <a:srgbClr val="FF0000"/>
+                </a:solidFill>
+              </a:rPr>
+              <a:t>long </a:t>
+            </a:r>
+            <a:r>
+              <a:rPr lang="en-US" dirty="0" err="1">
+                <a:solidFill>
+                  <a:srgbClr val="FF0000"/>
+                </a:solidFill>
+              </a:rPr>
+              <a:t>CATG.abstractLong</a:t>
+            </a:r>
+            <a:r>
+              <a:rPr lang="en-US" dirty="0">
+                <a:solidFill>
+                  <a:srgbClr val="FF0000"/>
+                </a:solidFill>
+              </a:rPr>
+              <a:t>(long x)</a:t>
+            </a:r>
+          </a:p>
+          <a:p>
+            <a:pPr lvl="1"/>
+            <a:r>
+              <a:rPr lang="en-US" dirty="0" smtClean="0">
+                <a:solidFill>
+                  <a:srgbClr val="FF0000"/>
+                </a:solidFill>
+              </a:rPr>
+              <a:t>char </a:t>
+            </a:r>
+            <a:r>
+              <a:rPr lang="en-US" dirty="0" err="1">
+                <a:solidFill>
+                  <a:srgbClr val="FF0000"/>
+                </a:solidFill>
+              </a:rPr>
+              <a:t>CATG.abstractChar</a:t>
+            </a:r>
+            <a:r>
+              <a:rPr lang="en-US" dirty="0">
+                <a:solidFill>
+                  <a:srgbClr val="FF0000"/>
+                </a:solidFill>
+              </a:rPr>
+              <a:t>(char x)</a:t>
+            </a:r>
+          </a:p>
+          <a:p>
+            <a:pPr lvl="1"/>
+            <a:r>
+              <a:rPr lang="en-US" dirty="0" smtClean="0">
+                <a:solidFill>
+                  <a:srgbClr val="FF0000"/>
+                </a:solidFill>
+              </a:rPr>
+              <a:t>byte </a:t>
+            </a:r>
+            <a:r>
+              <a:rPr lang="en-US" dirty="0" err="1">
+                <a:solidFill>
+                  <a:srgbClr val="FF0000"/>
+                </a:solidFill>
+              </a:rPr>
+              <a:t>CATG.abstractByte</a:t>
+            </a:r>
+            <a:r>
+              <a:rPr lang="en-US" dirty="0">
+                <a:solidFill>
+                  <a:srgbClr val="FF0000"/>
+                </a:solidFill>
+              </a:rPr>
+              <a:t>(byte x)</a:t>
+            </a:r>
+          </a:p>
+          <a:p>
+            <a:pPr lvl="1"/>
+            <a:r>
+              <a:rPr lang="en-US" dirty="0" smtClean="0">
+                <a:solidFill>
+                  <a:srgbClr val="FF0000"/>
+                </a:solidFill>
+              </a:rPr>
+              <a:t>short </a:t>
+            </a:r>
+            <a:r>
+              <a:rPr lang="en-US" dirty="0" err="1">
+                <a:solidFill>
+                  <a:srgbClr val="FF0000"/>
+                </a:solidFill>
+              </a:rPr>
+              <a:t>CATG.abstractShort</a:t>
+            </a:r>
+            <a:r>
+              <a:rPr lang="en-US" dirty="0">
+                <a:solidFill>
+                  <a:srgbClr val="FF0000"/>
+                </a:solidFill>
+              </a:rPr>
+              <a:t>(short x)</a:t>
+            </a:r>
+          </a:p>
+          <a:p>
+            <a:pPr lvl="1"/>
+            <a:r>
+              <a:rPr lang="en-US" dirty="0" smtClean="0">
+                <a:solidFill>
+                  <a:srgbClr val="FF0000"/>
+                </a:solidFill>
+              </a:rPr>
+              <a:t>String </a:t>
+            </a:r>
+            <a:r>
+              <a:rPr lang="en-US" dirty="0" err="1">
+                <a:solidFill>
+                  <a:srgbClr val="FF0000"/>
+                </a:solidFill>
+              </a:rPr>
+              <a:t>CATG.abstractString</a:t>
+            </a:r>
+            <a:r>
+              <a:rPr lang="en-US" dirty="0">
+                <a:solidFill>
+                  <a:srgbClr val="FF0000"/>
+                </a:solidFill>
+              </a:rPr>
+              <a:t>(String x</a:t>
+            </a:r>
+            <a:r>
+              <a:rPr lang="en-US" dirty="0" smtClean="0">
+                <a:solidFill>
+                  <a:srgbClr val="FF0000"/>
+                </a:solidFill>
+              </a:rPr>
+              <a:t>)</a:t>
+            </a:r>
+          </a:p>
+          <a:p>
+            <a:pPr marL="0" indent="0">
+              <a:buNone/>
+            </a:pPr>
+            <a:r>
+              <a:rPr lang="en-US" dirty="0" smtClean="0"/>
+              <a:t>See for examples:</a:t>
+            </a:r>
+          </a:p>
+          <a:p>
+            <a:r>
+              <a:rPr lang="en-US" dirty="0" err="1"/>
+              <a:t>src</a:t>
+            </a:r>
+            <a:r>
+              <a:rPr lang="en-US" dirty="0"/>
+              <a:t>/tests/AbstractionTest1.java</a:t>
+            </a:r>
+          </a:p>
+          <a:p>
+            <a:r>
+              <a:rPr lang="en-US" dirty="0" err="1" smtClean="0"/>
+              <a:t>src</a:t>
+            </a:r>
+            <a:r>
+              <a:rPr lang="en-US" dirty="0"/>
+              <a:t>/tests/AbstractionTest2.java</a:t>
+            </a:r>
+          </a:p>
+          <a:p>
+            <a:r>
+              <a:rPr lang="en-US" dirty="0" err="1"/>
+              <a:t>src</a:t>
+            </a:r>
+            <a:r>
+              <a:rPr lang="en-US" dirty="0"/>
+              <a:t>/tests/ManyColumnsRecords2.java</a:t>
+            </a:r>
+            <a:endParaRPr lang="en-US" dirty="0"/>
+          </a:p>
+        </p:txBody>
+      </p:sp>
+    </p:spTree>
+    <p:extLst>
+      <p:ext uri="{BB962C8B-B14F-4D97-AF65-F5344CB8AC3E}">
+        <p14:creationId xmlns:p14="http://schemas.microsoft.com/office/powerpoint/2010/main" val="1765098024"/>
+      </p:ext>
+    </p:extLst>
+  </p:cSld>
+  <p:clrMapOvr>
+    <a:masterClrMapping/>
+  </p:clrMapOvr>
+</p:sld>
+</file>
+
+<file path=ppt/slides/slide11.xml><?xml version="1.0" encoding="utf-8"?>
+<p:sld xmlns:a="http://schemas.openxmlformats.org/drawingml/2006/main" xmlns:r="http://schemas.openxmlformats.org/officeDocument/2006/relationships" xmlns:p="http://schemas.openxmlformats.org/presentationml/2006/main">
+  <p:cSld>
+    <p:spTree>
+      <p:nvGrpSpPr>
+        <p:cNvPr id="1" name=""/>
+        <p:cNvGrpSpPr/>
+        <p:nvPr/>
+      </p:nvGrpSpPr>
+      <p:grpSpPr>
+        <a:xfrm>
+          <a:off x="0" y="0"/>
+          <a:ext cx="0" cy="0"/>
+          <a:chOff x="0" y="0"/>
+          <a:chExt cx="0" cy="0"/>
+        </a:xfrm>
+      </p:grpSpPr>
+      <p:sp>
+        <p:nvSpPr>
+          <p:cNvPr id="2" name="Title 1"/>
+          <p:cNvSpPr>
+            <a:spLocks noGrp="1"/>
+          </p:cNvSpPr>
+          <p:nvPr>
+            <p:ph type="title"/>
+          </p:nvPr>
+        </p:nvSpPr>
+        <p:spPr/>
+        <p:txBody>
+          <a:bodyPr>
+            <a:normAutofit fontScale="90000"/>
+          </a:bodyPr>
+          <a:lstStyle/>
+          <a:p>
+            <a:r>
+              <a:rPr lang="en-US" dirty="0" smtClean="0"/>
+              <a:t>Data annotation: abstract code block</a:t>
+            </a:r>
+            <a:endParaRPr lang="en-US" dirty="0"/>
+          </a:p>
+        </p:txBody>
+      </p:sp>
+      <p:sp>
+        <p:nvSpPr>
+          <p:cNvPr id="3" name="Content Placeholder 2"/>
+          <p:cNvSpPr>
+            <a:spLocks noGrp="1"/>
+          </p:cNvSpPr>
+          <p:nvPr>
+            <p:ph idx="1"/>
+          </p:nvPr>
+        </p:nvSpPr>
+        <p:spPr/>
+        <p:txBody>
+          <a:bodyPr>
+            <a:normAutofit/>
+          </a:bodyPr>
+          <a:lstStyle/>
+          <a:p>
+            <a:r>
+              <a:rPr lang="en-US" sz="2400" dirty="0" smtClean="0"/>
+              <a:t>Annotate a code block, say x = foo(), to be abstract as follows:</a:t>
+            </a:r>
+          </a:p>
+          <a:p>
+            <a:pPr marL="1257300" lvl="3" indent="0">
+              <a:buNone/>
+            </a:pPr>
+            <a:r>
+              <a:rPr lang="en-US" sz="1800" dirty="0" err="1" smtClean="0">
+                <a:solidFill>
+                  <a:srgbClr val="FF0000"/>
+                </a:solidFill>
+              </a:rPr>
+              <a:t>CATG.BeginScope</a:t>
+            </a:r>
+            <a:r>
+              <a:rPr lang="en-US" sz="1800" dirty="0" smtClean="0">
+                <a:solidFill>
+                  <a:srgbClr val="FF0000"/>
+                </a:solidFill>
+              </a:rPr>
+              <a:t>();</a:t>
+            </a:r>
+          </a:p>
+          <a:p>
+            <a:pPr marL="1257300" lvl="3" indent="0">
+              <a:buNone/>
+            </a:pPr>
+            <a:r>
+              <a:rPr lang="en-US" sz="1800" dirty="0" smtClean="0"/>
+              <a:t>x = foo();</a:t>
+            </a:r>
+          </a:p>
+          <a:p>
+            <a:pPr marL="1257300" lvl="3" indent="0">
+              <a:buNone/>
+            </a:pPr>
+            <a:r>
+              <a:rPr lang="en-US" sz="1800" dirty="0" err="1" smtClean="0">
+                <a:solidFill>
+                  <a:srgbClr val="FF0000"/>
+                </a:solidFill>
+              </a:rPr>
+              <a:t>CATG.EndScope</a:t>
+            </a:r>
+            <a:r>
+              <a:rPr lang="en-US" sz="1800" dirty="0" smtClean="0">
+                <a:solidFill>
+                  <a:srgbClr val="FF0000"/>
+                </a:solidFill>
+              </a:rPr>
+              <a:t>();</a:t>
+            </a:r>
+          </a:p>
+          <a:p>
+            <a:pPr marL="1257300" lvl="3" indent="0">
+              <a:buNone/>
+            </a:pPr>
+            <a:r>
+              <a:rPr lang="en-US" sz="1800" dirty="0" smtClean="0">
+                <a:solidFill>
+                  <a:srgbClr val="FF0000"/>
+                </a:solidFill>
+              </a:rPr>
+              <a:t>x = </a:t>
+            </a:r>
+            <a:r>
+              <a:rPr lang="en-US" sz="1800" dirty="0" err="1" smtClean="0">
+                <a:solidFill>
+                  <a:srgbClr val="FF0000"/>
+                </a:solidFill>
+              </a:rPr>
+              <a:t>CATG.abstractInt</a:t>
+            </a:r>
+            <a:r>
+              <a:rPr lang="en-US" sz="1800" dirty="0" smtClean="0">
+                <a:solidFill>
+                  <a:srgbClr val="FF0000"/>
+                </a:solidFill>
+              </a:rPr>
+              <a:t>(x);</a:t>
+            </a:r>
+          </a:p>
+          <a:p>
+            <a:r>
+              <a:rPr lang="en-US" sz="2400" dirty="0" smtClean="0"/>
+              <a:t>Surround the code block with </a:t>
+            </a:r>
+            <a:r>
+              <a:rPr lang="en-US" sz="2400" dirty="0" err="1" smtClean="0"/>
+              <a:t>CATG.BeginScope</a:t>
+            </a:r>
+            <a:r>
+              <a:rPr lang="en-US" sz="2400" dirty="0" smtClean="0"/>
+              <a:t>() and </a:t>
+            </a:r>
+            <a:r>
+              <a:rPr lang="en-US" sz="2400" dirty="0" err="1" smtClean="0"/>
+              <a:t>CATG.EndScope</a:t>
+            </a:r>
+            <a:r>
+              <a:rPr lang="en-US" sz="2400" dirty="0" smtClean="0"/>
+              <a:t>()</a:t>
+            </a:r>
+          </a:p>
+          <a:p>
+            <a:r>
+              <a:rPr lang="en-US" sz="2400" dirty="0" smtClean="0"/>
+              <a:t>Any variable that is written (or computed) by the code block is then abstracted by using </a:t>
+            </a:r>
+            <a:r>
+              <a:rPr lang="en-US" sz="2400" dirty="0" err="1" smtClean="0"/>
+              <a:t>CATG.abstractXXX</a:t>
+            </a:r>
+            <a:r>
+              <a:rPr lang="en-US" sz="2400" dirty="0" smtClean="0"/>
+              <a:t>()</a:t>
+            </a:r>
+          </a:p>
+          <a:p>
+            <a:r>
+              <a:rPr lang="en-US" sz="2400" dirty="0" smtClean="0"/>
+              <a:t>An abstract block can be nested within other abstract blocks</a:t>
+            </a:r>
+            <a:endParaRPr lang="en-US" sz="2400" dirty="0"/>
+          </a:p>
+          <a:p>
+            <a:pPr marL="1257300" lvl="3" indent="0">
+              <a:buNone/>
+            </a:pPr>
+            <a:endParaRPr lang="en-US" sz="1800" dirty="0" smtClean="0">
+              <a:solidFill>
+                <a:srgbClr val="FF0000"/>
+              </a:solidFill>
+            </a:endParaRPr>
+          </a:p>
+          <a:p>
+            <a:pPr marL="1257300" lvl="3" indent="0">
+              <a:buNone/>
+            </a:pPr>
+            <a:endParaRPr lang="en-US" sz="1800" dirty="0" smtClean="0">
+              <a:solidFill>
+                <a:srgbClr val="FF0000"/>
+              </a:solidFill>
+            </a:endParaRPr>
+          </a:p>
+          <a:p>
+            <a:pPr marL="0" indent="0">
+              <a:buNone/>
+            </a:pPr>
+            <a:endParaRPr lang="en-US" sz="2400" dirty="0"/>
+          </a:p>
+        </p:txBody>
+      </p:sp>
+    </p:spTree>
+    <p:extLst>
+      <p:ext uri="{BB962C8B-B14F-4D97-AF65-F5344CB8AC3E}">
+        <p14:creationId xmlns:p14="http://schemas.microsoft.com/office/powerpoint/2010/main" val="517279768"/>
+      </p:ext>
+    </p:extLst>
+  </p:cSld>
+  <p:clrMapOvr>
+    <a:masterClrMapping/>
+  </p:clrMapOvr>
+</p:sld>
+</file>
+
+<file path=ppt/slides/slide12.xml><?xml version="1.0" encoding="utf-8"?>
+<p:sld xmlns:a="http://schemas.openxmlformats.org/drawingml/2006/main" xmlns:r="http://schemas.openxmlformats.org/officeDocument/2006/relationships" xmlns:p="http://schemas.openxmlformats.org/presentationml/2006/main">
+  <p:cSld>
+    <p:spTree>
+      <p:nvGrpSpPr>
+        <p:cNvPr id="1" name=""/>
+        <p:cNvGrpSpPr/>
+        <p:nvPr/>
+      </p:nvGrpSpPr>
+      <p:grpSpPr>
+        <a:xfrm>
+          <a:off x="0" y="0"/>
+          <a:ext cx="0" cy="0"/>
+          <a:chOff x="0" y="0"/>
+          <a:chExt cx="0" cy="0"/>
+        </a:xfrm>
+      </p:grpSpPr>
+      <p:sp>
+        <p:nvSpPr>
+          <p:cNvPr id="2" name="Title 1"/>
+          <p:cNvSpPr>
+            <a:spLocks noGrp="1"/>
+          </p:cNvSpPr>
+          <p:nvPr>
+            <p:ph type="title"/>
+          </p:nvPr>
+        </p:nvSpPr>
+        <p:spPr/>
+        <p:txBody>
+          <a:bodyPr/>
+          <a:lstStyle/>
+          <a:p>
+            <a:r>
+              <a:rPr lang="en-US" dirty="0" smtClean="0"/>
+              <a:t>Data annotation: example</a:t>
+            </a:r>
+            <a:endParaRPr lang="en-US" dirty="0"/>
+          </a:p>
+        </p:txBody>
+      </p:sp>
+      <p:sp>
+        <p:nvSpPr>
+          <p:cNvPr id="4" name="Content Placeholder 3"/>
+          <p:cNvSpPr>
+            <a:spLocks noGrp="1"/>
+          </p:cNvSpPr>
+          <p:nvPr>
+            <p:ph sz="half" idx="1"/>
+          </p:nvPr>
+        </p:nvSpPr>
+        <p:spPr>
+          <a:xfrm>
+            <a:off x="457200" y="1382496"/>
+            <a:ext cx="4038600" cy="4525963"/>
+          </a:xfrm>
+        </p:spPr>
+        <p:txBody>
+          <a:bodyPr>
+            <a:noAutofit/>
+          </a:bodyPr>
+          <a:lstStyle/>
+          <a:p>
+            <a:pPr marL="0" indent="0">
+              <a:buNone/>
+            </a:pPr>
+            <a:r>
+              <a:rPr lang="en-US" sz="800" dirty="0"/>
+              <a:t>public class AbstractionTest2 {</a:t>
+            </a:r>
+          </a:p>
+          <a:p>
+            <a:pPr marL="0" indent="0">
+              <a:buNone/>
+            </a:pPr>
+            <a:r>
+              <a:rPr lang="en-US" sz="800" dirty="0"/>
+              <a:t>    public static </a:t>
+            </a:r>
+            <a:r>
+              <a:rPr lang="en-US" sz="800" dirty="0" err="1"/>
+              <a:t>boolean</a:t>
+            </a:r>
+            <a:r>
+              <a:rPr lang="en-US" sz="800" dirty="0"/>
+              <a:t> foo(){</a:t>
+            </a:r>
+          </a:p>
+          <a:p>
+            <a:pPr marL="0" indent="0">
+              <a:buNone/>
+            </a:pPr>
+            <a:r>
+              <a:rPr lang="en-US" sz="800" dirty="0">
+                <a:solidFill>
+                  <a:srgbClr val="FF0000"/>
+                </a:solidFill>
+              </a:rPr>
+              <a:t>        </a:t>
+            </a:r>
+            <a:r>
+              <a:rPr lang="en-US" sz="800" dirty="0" err="1">
+                <a:solidFill>
+                  <a:srgbClr val="FF0000"/>
+                </a:solidFill>
+              </a:rPr>
+              <a:t>CATG.BeginScope</a:t>
+            </a:r>
+            <a:r>
+              <a:rPr lang="en-US" sz="800" dirty="0">
+                <a:solidFill>
+                  <a:srgbClr val="FF0000"/>
+                </a:solidFill>
+              </a:rPr>
+              <a:t>();</a:t>
+            </a:r>
+          </a:p>
+          <a:p>
+            <a:pPr marL="0" indent="0">
+              <a:buNone/>
+            </a:pPr>
+            <a:r>
+              <a:rPr lang="en-US" sz="800" dirty="0"/>
+              <a:t>        </a:t>
+            </a:r>
+            <a:r>
+              <a:rPr lang="en-US" sz="800" dirty="0" err="1"/>
+              <a:t>boolean</a:t>
+            </a:r>
+            <a:r>
+              <a:rPr lang="en-US" sz="800" dirty="0"/>
+              <a:t> ret;</a:t>
+            </a:r>
+          </a:p>
+          <a:p>
+            <a:pPr marL="0" indent="0">
+              <a:buNone/>
+            </a:pPr>
+            <a:r>
+              <a:rPr lang="en-US" sz="800" dirty="0"/>
+              <a:t>        </a:t>
+            </a:r>
+            <a:r>
+              <a:rPr lang="en-US" sz="800" dirty="0" err="1"/>
+              <a:t>int</a:t>
+            </a:r>
+            <a:r>
+              <a:rPr lang="en-US" sz="800" dirty="0"/>
+              <a:t> x = </a:t>
+            </a:r>
+            <a:r>
+              <a:rPr lang="en-US" sz="800" dirty="0" err="1"/>
+              <a:t>CATG.readInt</a:t>
+            </a:r>
+            <a:r>
+              <a:rPr lang="en-US" sz="800" dirty="0"/>
+              <a:t>(0);</a:t>
+            </a:r>
+          </a:p>
+          <a:p>
+            <a:pPr marL="0" indent="0">
+              <a:buNone/>
+            </a:pPr>
+            <a:r>
+              <a:rPr lang="en-US" sz="800" dirty="0"/>
+              <a:t>        </a:t>
+            </a:r>
+            <a:r>
+              <a:rPr lang="en-US" sz="800" dirty="0" err="1"/>
+              <a:t>int</a:t>
+            </a:r>
+            <a:r>
+              <a:rPr lang="en-US" sz="800" dirty="0"/>
+              <a:t> y = </a:t>
+            </a:r>
+            <a:r>
+              <a:rPr lang="en-US" sz="800" dirty="0" err="1"/>
+              <a:t>CATG.readInt</a:t>
+            </a:r>
+            <a:r>
+              <a:rPr lang="en-US" sz="800" dirty="0"/>
+              <a:t>(0);</a:t>
+            </a:r>
+          </a:p>
+          <a:p>
+            <a:pPr marL="0" indent="0">
+              <a:buNone/>
+            </a:pPr>
+            <a:r>
+              <a:rPr lang="en-US" sz="800" dirty="0" smtClean="0"/>
+              <a:t>       if </a:t>
+            </a:r>
+            <a:r>
+              <a:rPr lang="en-US" sz="800" dirty="0"/>
+              <a:t>(x == 100 &amp;&amp; y == 200) {</a:t>
+            </a:r>
+          </a:p>
+          <a:p>
+            <a:pPr marL="0" indent="0">
+              <a:buNone/>
+            </a:pPr>
+            <a:r>
+              <a:rPr lang="en-US" sz="800" dirty="0"/>
+              <a:t>            ret = true;</a:t>
+            </a:r>
+          </a:p>
+          <a:p>
+            <a:pPr marL="0" indent="0">
+              <a:buNone/>
+            </a:pPr>
+            <a:r>
+              <a:rPr lang="en-US" sz="800" dirty="0"/>
+              <a:t>        } else {</a:t>
+            </a:r>
+          </a:p>
+          <a:p>
+            <a:pPr marL="0" indent="0">
+              <a:buNone/>
+            </a:pPr>
+            <a:r>
+              <a:rPr lang="en-US" sz="800" dirty="0"/>
+              <a:t>            ret = false;</a:t>
+            </a:r>
+          </a:p>
+          <a:p>
+            <a:pPr marL="0" indent="0">
+              <a:buNone/>
+            </a:pPr>
+            <a:r>
+              <a:rPr lang="en-US" sz="800" dirty="0"/>
+              <a:t>        }</a:t>
+            </a:r>
+          </a:p>
+          <a:p>
+            <a:pPr marL="0" indent="0">
+              <a:buNone/>
+            </a:pPr>
+            <a:r>
+              <a:rPr lang="en-US" sz="800" dirty="0">
+                <a:solidFill>
+                  <a:srgbClr val="FF0000"/>
+                </a:solidFill>
+              </a:rPr>
+              <a:t>        </a:t>
+            </a:r>
+            <a:r>
+              <a:rPr lang="en-US" sz="800" dirty="0" err="1">
+                <a:solidFill>
+                  <a:srgbClr val="FF0000"/>
+                </a:solidFill>
+              </a:rPr>
+              <a:t>CATG.EndScope</a:t>
+            </a:r>
+            <a:r>
+              <a:rPr lang="en-US" sz="800" dirty="0">
+                <a:solidFill>
+                  <a:srgbClr val="FF0000"/>
+                </a:solidFill>
+              </a:rPr>
+              <a:t>();</a:t>
+            </a:r>
+          </a:p>
+          <a:p>
+            <a:pPr marL="0" indent="0">
+              <a:buNone/>
+            </a:pPr>
+            <a:r>
+              <a:rPr lang="en-US" sz="800" dirty="0">
+                <a:solidFill>
+                  <a:srgbClr val="FF0000"/>
+                </a:solidFill>
+              </a:rPr>
+              <a:t>        ret = </a:t>
+            </a:r>
+            <a:r>
+              <a:rPr lang="en-US" sz="800" dirty="0" err="1">
+                <a:solidFill>
+                  <a:srgbClr val="FF0000"/>
+                </a:solidFill>
+              </a:rPr>
+              <a:t>CATG.abstractBool</a:t>
+            </a:r>
+            <a:r>
+              <a:rPr lang="en-US" sz="800" dirty="0">
+                <a:solidFill>
+                  <a:srgbClr val="FF0000"/>
+                </a:solidFill>
+              </a:rPr>
+              <a:t>(ret);</a:t>
+            </a:r>
+          </a:p>
+          <a:p>
+            <a:pPr marL="0" indent="0">
+              <a:buNone/>
+            </a:pPr>
+            <a:r>
+              <a:rPr lang="en-US" sz="800" dirty="0" smtClean="0"/>
+              <a:t>        return </a:t>
+            </a:r>
+            <a:r>
+              <a:rPr lang="en-US" sz="800" dirty="0"/>
+              <a:t>ret;</a:t>
+            </a:r>
+          </a:p>
+          <a:p>
+            <a:pPr marL="0" indent="0">
+              <a:buNone/>
+            </a:pPr>
+            <a:r>
+              <a:rPr lang="en-US" sz="800" dirty="0"/>
+              <a:t>    }</a:t>
+            </a:r>
+          </a:p>
+          <a:p>
+            <a:pPr marL="0" indent="0">
+              <a:buNone/>
+            </a:pPr>
+            <a:endParaRPr lang="en-US" sz="800" dirty="0"/>
+          </a:p>
+          <a:p>
+            <a:pPr marL="0" indent="0">
+              <a:buNone/>
+            </a:pPr>
+            <a:r>
+              <a:rPr lang="en-US" sz="800" dirty="0"/>
+              <a:t>    public static void main(String[] </a:t>
+            </a:r>
+            <a:r>
+              <a:rPr lang="en-US" sz="800" dirty="0" err="1"/>
+              <a:t>args</a:t>
+            </a:r>
+            <a:r>
+              <a:rPr lang="en-US" sz="800" dirty="0"/>
+              <a:t>){</a:t>
+            </a:r>
+          </a:p>
+          <a:p>
+            <a:pPr marL="0" indent="0">
+              <a:buNone/>
+            </a:pPr>
+            <a:r>
+              <a:rPr lang="en-US" sz="800" dirty="0"/>
+              <a:t>        </a:t>
+            </a:r>
+            <a:r>
+              <a:rPr lang="en-US" sz="800" dirty="0" err="1"/>
+              <a:t>int</a:t>
+            </a:r>
+            <a:r>
+              <a:rPr lang="en-US" sz="800" dirty="0"/>
+              <a:t> sum = 0;</a:t>
+            </a:r>
+          </a:p>
+          <a:p>
+            <a:pPr marL="0" indent="0">
+              <a:buNone/>
+            </a:pPr>
+            <a:endParaRPr lang="en-US" sz="800" dirty="0"/>
+          </a:p>
+          <a:p>
+            <a:pPr marL="0" indent="0">
+              <a:buNone/>
+            </a:pPr>
+            <a:r>
+              <a:rPr lang="en-US" sz="800" dirty="0">
+                <a:solidFill>
+                  <a:srgbClr val="FF0000"/>
+                </a:solidFill>
+              </a:rPr>
+              <a:t>        </a:t>
+            </a:r>
+            <a:r>
+              <a:rPr lang="en-US" sz="800" dirty="0" err="1">
+                <a:solidFill>
+                  <a:srgbClr val="FF0000"/>
+                </a:solidFill>
+              </a:rPr>
+              <a:t>CATG.BeginScope</a:t>
+            </a:r>
+            <a:r>
+              <a:rPr lang="en-US" sz="800" dirty="0">
+                <a:solidFill>
+                  <a:srgbClr val="FF0000"/>
+                </a:solidFill>
+              </a:rPr>
+              <a:t>();</a:t>
+            </a:r>
+          </a:p>
+          <a:p>
+            <a:pPr marL="0" indent="0">
+              <a:buNone/>
+            </a:pPr>
+            <a:r>
+              <a:rPr lang="en-US" sz="800" dirty="0"/>
+              <a:t>        if (foo()) sum++;</a:t>
+            </a:r>
+          </a:p>
+          <a:p>
+            <a:pPr marL="0" indent="0">
+              <a:buNone/>
+            </a:pPr>
+            <a:r>
+              <a:rPr lang="en-US" sz="800" dirty="0"/>
+              <a:t>        if (foo()) sum++;</a:t>
+            </a:r>
+          </a:p>
+          <a:p>
+            <a:pPr marL="0" indent="0">
+              <a:buNone/>
+            </a:pPr>
+            <a:r>
+              <a:rPr lang="en-US" sz="800" dirty="0"/>
+              <a:t>        if (foo()) sum++;</a:t>
+            </a:r>
+          </a:p>
+          <a:p>
+            <a:pPr marL="0" indent="0">
+              <a:buNone/>
+            </a:pPr>
+            <a:r>
+              <a:rPr lang="en-US" sz="800" dirty="0"/>
+              <a:t>        if (foo()) sum++;</a:t>
+            </a:r>
+          </a:p>
+          <a:p>
+            <a:pPr marL="0" indent="0">
+              <a:buNone/>
+            </a:pPr>
+            <a:r>
+              <a:rPr lang="en-US" sz="800" dirty="0">
+                <a:solidFill>
+                  <a:srgbClr val="FF0000"/>
+                </a:solidFill>
+              </a:rPr>
+              <a:t>        </a:t>
+            </a:r>
+            <a:r>
+              <a:rPr lang="en-US" sz="800" dirty="0" err="1">
+                <a:solidFill>
+                  <a:srgbClr val="FF0000"/>
+                </a:solidFill>
+              </a:rPr>
+              <a:t>CATG.EndScope</a:t>
+            </a:r>
+            <a:r>
+              <a:rPr lang="en-US" sz="800" dirty="0">
+                <a:solidFill>
+                  <a:srgbClr val="FF0000"/>
+                </a:solidFill>
+              </a:rPr>
+              <a:t>();</a:t>
+            </a:r>
+          </a:p>
+          <a:p>
+            <a:pPr marL="0" indent="0">
+              <a:buNone/>
+            </a:pPr>
+            <a:r>
+              <a:rPr lang="en-US" sz="800" dirty="0">
+                <a:solidFill>
+                  <a:srgbClr val="FF0000"/>
+                </a:solidFill>
+              </a:rPr>
+              <a:t>        sum = </a:t>
+            </a:r>
+            <a:r>
+              <a:rPr lang="en-US" sz="800" dirty="0" err="1">
+                <a:solidFill>
+                  <a:srgbClr val="FF0000"/>
+                </a:solidFill>
+              </a:rPr>
+              <a:t>CATG.abstractInt</a:t>
+            </a:r>
+            <a:r>
+              <a:rPr lang="en-US" sz="800" dirty="0">
+                <a:solidFill>
+                  <a:srgbClr val="FF0000"/>
+                </a:solidFill>
+              </a:rPr>
+              <a:t>(sum);</a:t>
+            </a:r>
+          </a:p>
+          <a:p>
+            <a:pPr marL="0" indent="0">
+              <a:buNone/>
+            </a:pPr>
+            <a:endParaRPr lang="en-US" sz="800" dirty="0"/>
+          </a:p>
+          <a:p>
+            <a:pPr marL="0" indent="0">
+              <a:buNone/>
+            </a:pPr>
+            <a:r>
+              <a:rPr lang="en-US" sz="800" dirty="0" smtClean="0"/>
+              <a:t>        if </a:t>
+            </a:r>
+            <a:r>
+              <a:rPr lang="en-US" sz="800" dirty="0"/>
+              <a:t>(sum &gt; 2) {</a:t>
+            </a:r>
+          </a:p>
+          <a:p>
+            <a:pPr marL="0" indent="0">
+              <a:buNone/>
+            </a:pPr>
+            <a:r>
+              <a:rPr lang="en-US" sz="800" dirty="0"/>
+              <a:t>            </a:t>
+            </a:r>
+            <a:r>
+              <a:rPr lang="en-US" sz="800" dirty="0" err="1"/>
+              <a:t>System.out.println</a:t>
+            </a:r>
+            <a:r>
+              <a:rPr lang="en-US" sz="800" dirty="0"/>
+              <a:t>("sum &gt; 2");</a:t>
+            </a:r>
+          </a:p>
+          <a:p>
+            <a:pPr marL="0" indent="0">
+              <a:buNone/>
+            </a:pPr>
+            <a:r>
+              <a:rPr lang="en-US" sz="800" dirty="0"/>
+              <a:t>        } else {</a:t>
+            </a:r>
+          </a:p>
+          <a:p>
+            <a:pPr marL="0" indent="0">
+              <a:buNone/>
+            </a:pPr>
+            <a:r>
+              <a:rPr lang="en-US" sz="800" dirty="0"/>
+              <a:t>            </a:t>
+            </a:r>
+            <a:r>
+              <a:rPr lang="en-US" sz="800" dirty="0" err="1"/>
+              <a:t>System.out.println</a:t>
+            </a:r>
+            <a:r>
+              <a:rPr lang="en-US" sz="800" dirty="0"/>
+              <a:t>("sum &lt; 2");</a:t>
+            </a:r>
+          </a:p>
+          <a:p>
+            <a:pPr marL="0" indent="0">
+              <a:buNone/>
+            </a:pPr>
+            <a:r>
+              <a:rPr lang="en-US" sz="800" dirty="0"/>
+              <a:t>        }</a:t>
+            </a:r>
+          </a:p>
+          <a:p>
+            <a:pPr marL="0" indent="0">
+              <a:buNone/>
+            </a:pPr>
+            <a:r>
+              <a:rPr lang="en-US" sz="800" dirty="0"/>
+              <a:t>    }</a:t>
+            </a:r>
+          </a:p>
+          <a:p>
+            <a:pPr marL="0" indent="0">
+              <a:buNone/>
+            </a:pPr>
+            <a:r>
+              <a:rPr lang="en-US" sz="800" dirty="0"/>
+              <a:t>}</a:t>
+            </a:r>
+          </a:p>
+          <a:p>
+            <a:pPr marL="0" indent="0">
+              <a:buNone/>
+            </a:pPr>
+            <a:endParaRPr lang="en-US" sz="800" dirty="0"/>
+          </a:p>
+        </p:txBody>
+      </p:sp>
+      <p:sp>
+        <p:nvSpPr>
+          <p:cNvPr id="5" name="Content Placeholder 4"/>
+          <p:cNvSpPr>
+            <a:spLocks noGrp="1"/>
+          </p:cNvSpPr>
+          <p:nvPr>
+            <p:ph sz="half" idx="2"/>
+          </p:nvPr>
+        </p:nvSpPr>
+        <p:spPr/>
+        <p:txBody>
+          <a:bodyPr>
+            <a:normAutofit fontScale="92500" lnSpcReduction="10000"/>
+          </a:bodyPr>
+          <a:lstStyle/>
+          <a:p>
+            <a:r>
+              <a:rPr lang="en-US" dirty="0"/>
+              <a:t>Simple </a:t>
+            </a:r>
+            <a:r>
+              <a:rPr lang="en-US" dirty="0" err="1"/>
+              <a:t>concolic</a:t>
+            </a:r>
+            <a:r>
+              <a:rPr lang="en-US" dirty="0"/>
+              <a:t> testing explores 3</a:t>
+            </a:r>
+            <a:r>
+              <a:rPr lang="en-US" baseline="30000" dirty="0"/>
+              <a:t>4</a:t>
+            </a:r>
+            <a:r>
+              <a:rPr lang="en-US" dirty="0"/>
+              <a:t> = 81 paths</a:t>
+            </a:r>
+          </a:p>
+          <a:p>
+            <a:pPr lvl="1"/>
+            <a:r>
+              <a:rPr lang="en-US" dirty="0"/>
+              <a:t>foo has 3 paths</a:t>
+            </a:r>
+          </a:p>
+          <a:p>
+            <a:pPr lvl="1"/>
+            <a:r>
+              <a:rPr lang="en-US" dirty="0"/>
+              <a:t>foo is called 4 times</a:t>
+            </a:r>
+          </a:p>
+          <a:p>
+            <a:pPr lvl="1"/>
+            <a:r>
+              <a:rPr lang="en-US" dirty="0"/>
+              <a:t>exponential blow-up</a:t>
+            </a:r>
+          </a:p>
+          <a:p>
+            <a:r>
+              <a:rPr lang="en-US" dirty="0" smtClean="0"/>
+              <a:t>Code with data </a:t>
+            </a:r>
+            <a:r>
+              <a:rPr lang="en-US" dirty="0"/>
+              <a:t>annotation explores </a:t>
+            </a:r>
+            <a:r>
+              <a:rPr lang="en-US" dirty="0" smtClean="0"/>
+              <a:t>13 paths</a:t>
+            </a:r>
+          </a:p>
+          <a:p>
+            <a:r>
+              <a:rPr lang="en-US" dirty="0" smtClean="0"/>
+              <a:t>Gives full coverage as original code</a:t>
+            </a:r>
+          </a:p>
+          <a:p>
+            <a:pPr lvl="1"/>
+            <a:r>
+              <a:rPr lang="en-US" dirty="0" err="1" smtClean="0"/>
+              <a:t>assertIfPossible</a:t>
+            </a:r>
+            <a:r>
+              <a:rPr lang="en-US" dirty="0" smtClean="0"/>
+              <a:t> may miss coverage</a:t>
+            </a:r>
+            <a:endParaRPr lang="en-US" dirty="0"/>
+          </a:p>
+        </p:txBody>
+      </p:sp>
+    </p:spTree>
+    <p:extLst>
+      <p:ext uri="{BB962C8B-B14F-4D97-AF65-F5344CB8AC3E}">
+        <p14:creationId xmlns:p14="http://schemas.microsoft.com/office/powerpoint/2010/main" val="1729002871"/>
+      </p:ext>
+    </p:extLst>
+  </p:cSld>
+  <p:clrMapOvr>
+    <a:masterClrMapping/>
+  </p:clrMapOvr>
+</p:sld>
+</file>
+
+<file path=ppt/slides/slide13.xml><?xml version="1.0" encoding="utf-8"?>
+<p:sld xmlns:a="http://schemas.openxmlformats.org/drawingml/2006/main" xmlns:r="http://schemas.openxmlformats.org/officeDocument/2006/relationships" xmlns:p="http://schemas.openxmlformats.org/presentationml/2006/main">
+  <p:cSld>
+    <p:spTree>
+      <p:nvGrpSpPr>
+        <p:cNvPr id="1" name=""/>
+        <p:cNvGrpSpPr/>
+        <p:nvPr/>
+      </p:nvGrpSpPr>
+      <p:grpSpPr>
+        <a:xfrm>
+          <a:off x="0" y="0"/>
+          <a:ext cx="0" cy="0"/>
+          <a:chOff x="0" y="0"/>
+          <a:chExt cx="0" cy="0"/>
+        </a:xfrm>
+      </p:grpSpPr>
+      <p:sp>
+        <p:nvSpPr>
+          <p:cNvPr id="5" name="Title 4"/>
+          <p:cNvSpPr>
+            <a:spLocks noGrp="1"/>
+          </p:cNvSpPr>
+          <p:nvPr>
+            <p:ph type="title"/>
+          </p:nvPr>
+        </p:nvSpPr>
+        <p:spPr/>
+        <p:txBody>
+          <a:bodyPr>
+            <a:normAutofit fontScale="90000"/>
+          </a:bodyPr>
+          <a:lstStyle/>
+          <a:p>
+            <a:r>
+              <a:rPr lang="en-US" dirty="0" smtClean="0"/>
+              <a:t>Data annotation: </a:t>
+            </a:r>
+            <a:br>
+              <a:rPr lang="en-US" dirty="0" smtClean="0"/>
+            </a:br>
+            <a:r>
+              <a:rPr lang="en-US" dirty="0" smtClean="0"/>
+              <a:t>exploration algorithm</a:t>
+            </a:r>
+            <a:endParaRPr lang="en-US" dirty="0"/>
+          </a:p>
+        </p:txBody>
+      </p:sp>
+      <p:sp>
+        <p:nvSpPr>
+          <p:cNvPr id="6" name="Content Placeholder 5"/>
+          <p:cNvSpPr>
+            <a:spLocks noGrp="1"/>
+          </p:cNvSpPr>
+          <p:nvPr>
+            <p:ph idx="1"/>
+          </p:nvPr>
+        </p:nvSpPr>
+        <p:spPr/>
+        <p:txBody>
+          <a:bodyPr>
+            <a:normAutofit fontScale="47500" lnSpcReduction="20000"/>
+          </a:bodyPr>
+          <a:lstStyle/>
+          <a:p>
+            <a:r>
+              <a:rPr lang="en-US" dirty="0"/>
+              <a:t>We explore the function under test using </a:t>
+            </a:r>
+            <a:r>
+              <a:rPr lang="en-US" dirty="0" err="1"/>
+              <a:t>concolic</a:t>
+            </a:r>
+            <a:r>
+              <a:rPr lang="en-US" dirty="0"/>
+              <a:t> testing, </a:t>
+            </a:r>
+            <a:r>
+              <a:rPr lang="en-US" dirty="0" smtClean="0"/>
+              <a:t>but</a:t>
+            </a:r>
+          </a:p>
+          <a:p>
+            <a:pPr lvl="1"/>
+            <a:r>
+              <a:rPr lang="en-US" dirty="0" smtClean="0"/>
+              <a:t>avoid </a:t>
+            </a:r>
+            <a:r>
+              <a:rPr lang="en-US" dirty="0"/>
+              <a:t>exploring the block of code enclosed within </a:t>
+            </a:r>
+            <a:r>
+              <a:rPr lang="en-US" dirty="0" err="1"/>
+              <a:t>CATG.BeginScope</a:t>
+            </a:r>
+            <a:r>
+              <a:rPr lang="en-US" dirty="0"/>
+              <a:t>() and </a:t>
+            </a:r>
+            <a:r>
+              <a:rPr lang="en-US" dirty="0" err="1"/>
+              <a:t>CATG.EndScope</a:t>
+            </a:r>
+            <a:r>
+              <a:rPr lang="en-US" dirty="0"/>
+              <a:t>() (which we will call abstract blocks) </a:t>
+            </a:r>
+            <a:endParaRPr lang="en-US" dirty="0" smtClean="0"/>
+          </a:p>
+          <a:p>
+            <a:pPr lvl="1"/>
+            <a:r>
+              <a:rPr lang="en-US" dirty="0" smtClean="0"/>
+              <a:t>replace </a:t>
+            </a:r>
+            <a:r>
+              <a:rPr lang="en-US" dirty="0"/>
+              <a:t>each variable x with an unconstrained input if we call x = </a:t>
+            </a:r>
+            <a:r>
+              <a:rPr lang="en-US" dirty="0" err="1"/>
+              <a:t>CATG.abstractXXX</a:t>
+            </a:r>
+            <a:r>
+              <a:rPr lang="en-US" dirty="0"/>
+              <a:t>(x) after a </a:t>
+            </a:r>
+            <a:r>
+              <a:rPr lang="en-US" dirty="0" err="1"/>
+              <a:t>CATG.EndScope</a:t>
+            </a:r>
+            <a:r>
+              <a:rPr lang="en-US" dirty="0"/>
+              <a:t>(</a:t>
+            </a:r>
+            <a:r>
+              <a:rPr lang="en-US" dirty="0" smtClean="0"/>
+              <a:t>) </a:t>
+            </a:r>
+          </a:p>
+          <a:p>
+            <a:pPr lvl="1"/>
+            <a:r>
+              <a:rPr lang="en-US" dirty="0" smtClean="0"/>
+              <a:t>this </a:t>
+            </a:r>
+            <a:r>
+              <a:rPr lang="en-US" dirty="0"/>
+              <a:t>creates an abstraction of the program: by ignoring </a:t>
+            </a:r>
+            <a:r>
+              <a:rPr lang="en-US" dirty="0" smtClean="0"/>
+              <a:t>paths </a:t>
+            </a:r>
+            <a:r>
+              <a:rPr lang="en-US" dirty="0"/>
+              <a:t>in the abstract blocks of code, we may generate paths that are not concretely realizable. </a:t>
+            </a:r>
+            <a:endParaRPr lang="en-US" dirty="0" smtClean="0"/>
+          </a:p>
+          <a:p>
+            <a:r>
+              <a:rPr lang="en-US" dirty="0" smtClean="0"/>
+              <a:t>Abstraction </a:t>
+            </a:r>
+            <a:r>
+              <a:rPr lang="en-US" dirty="0"/>
+              <a:t>reduces the complexity of </a:t>
+            </a:r>
+            <a:r>
+              <a:rPr lang="en-US" dirty="0" err="1"/>
+              <a:t>interprocedural</a:t>
+            </a:r>
+            <a:r>
+              <a:rPr lang="en-US" dirty="0"/>
+              <a:t> path exploration to </a:t>
+            </a:r>
+            <a:r>
+              <a:rPr lang="en-US" dirty="0" err="1"/>
+              <a:t>intraprocedural</a:t>
+            </a:r>
+            <a:r>
+              <a:rPr lang="en-US" dirty="0"/>
+              <a:t> path </a:t>
+            </a:r>
+            <a:r>
+              <a:rPr lang="en-US" dirty="0" smtClean="0"/>
+              <a:t>exploration </a:t>
+            </a:r>
+          </a:p>
+          <a:p>
+            <a:r>
+              <a:rPr lang="en-US" dirty="0" err="1" smtClean="0"/>
+              <a:t>concolic</a:t>
+            </a:r>
+            <a:r>
+              <a:rPr lang="en-US" dirty="0" smtClean="0"/>
+              <a:t> testing finds an abstract path PI in the abstract program</a:t>
+            </a:r>
+          </a:p>
+          <a:p>
+            <a:r>
+              <a:rPr lang="en-US" dirty="0" smtClean="0"/>
+              <a:t>Given a </a:t>
+            </a:r>
+            <a:r>
+              <a:rPr lang="en-US" dirty="0"/>
+              <a:t>path PI in the abstraction, </a:t>
+            </a:r>
+            <a:endParaRPr lang="en-US" dirty="0" smtClean="0"/>
+          </a:p>
+          <a:p>
+            <a:pPr lvl="1"/>
+            <a:r>
+              <a:rPr lang="en-US" dirty="0" smtClean="0"/>
+              <a:t>we </a:t>
+            </a:r>
+            <a:r>
+              <a:rPr lang="en-US" dirty="0"/>
+              <a:t>perform path refinement, that is, expand the ignored abstract blocks along the path to get a concretely realizable path whose projection on the function under test is </a:t>
+            </a:r>
+            <a:r>
+              <a:rPr lang="en-US" dirty="0" smtClean="0"/>
+              <a:t>PI </a:t>
+            </a:r>
+          </a:p>
+          <a:p>
+            <a:r>
+              <a:rPr lang="en-US" dirty="0" smtClean="0"/>
+              <a:t>Path </a:t>
+            </a:r>
+            <a:r>
+              <a:rPr lang="en-US" dirty="0"/>
+              <a:t>refinement performs a backtracking search over the path PI, </a:t>
+            </a:r>
+            <a:endParaRPr lang="en-US" dirty="0" smtClean="0"/>
+          </a:p>
+          <a:p>
+            <a:pPr lvl="1"/>
+            <a:r>
+              <a:rPr lang="en-US" dirty="0" smtClean="0"/>
+              <a:t>finds </a:t>
+            </a:r>
+            <a:r>
+              <a:rPr lang="en-US" dirty="0"/>
+              <a:t>concrete paths through each abstract code </a:t>
+            </a:r>
+            <a:r>
+              <a:rPr lang="en-US" dirty="0" smtClean="0"/>
+              <a:t>blocks </a:t>
+            </a:r>
+            <a:r>
+              <a:rPr lang="en-US" dirty="0"/>
+              <a:t>that can be stitched </a:t>
+            </a:r>
+            <a:r>
+              <a:rPr lang="en-US" dirty="0" smtClean="0"/>
+              <a:t>together </a:t>
+            </a:r>
+          </a:p>
+          <a:p>
+            <a:r>
+              <a:rPr lang="en-US" dirty="0" smtClean="0"/>
+              <a:t>Refinement </a:t>
+            </a:r>
+            <a:r>
+              <a:rPr lang="en-US" dirty="0"/>
+              <a:t>recursively invokes the </a:t>
+            </a:r>
+            <a:r>
+              <a:rPr lang="en-US" dirty="0" err="1"/>
+              <a:t>AbstractRefineStrategy.java</a:t>
+            </a:r>
+            <a:r>
+              <a:rPr lang="en-US" dirty="0"/>
+              <a:t> algorithm, expanding ignored abstract code blocks along the </a:t>
+            </a:r>
+            <a:r>
+              <a:rPr lang="en-US" dirty="0" smtClean="0"/>
+              <a:t>path </a:t>
+            </a:r>
+          </a:p>
+          <a:p>
+            <a:r>
+              <a:rPr lang="en-US" dirty="0" smtClean="0"/>
+              <a:t>Paths </a:t>
+            </a:r>
+            <a:r>
+              <a:rPr lang="en-US" dirty="0"/>
+              <a:t>inside the nested abstract code blocks </a:t>
+            </a:r>
+            <a:r>
+              <a:rPr lang="en-US" dirty="0" smtClean="0"/>
+              <a:t>are expanded on demand to get a concretely realizable path</a:t>
+            </a:r>
+          </a:p>
+          <a:p>
+            <a:pPr lvl="1"/>
+            <a:r>
+              <a:rPr lang="en-US" dirty="0" smtClean="0"/>
+              <a:t>we </a:t>
+            </a:r>
+            <a:r>
+              <a:rPr lang="en-US" dirty="0"/>
+              <a:t>only explore relevant parts of the program path </a:t>
+            </a:r>
+            <a:r>
+              <a:rPr lang="en-US" dirty="0" smtClean="0"/>
+              <a:t>space </a:t>
+            </a:r>
+          </a:p>
+          <a:p>
+            <a:pPr lvl="1"/>
+            <a:r>
+              <a:rPr lang="en-US" dirty="0" smtClean="0"/>
+              <a:t>this </a:t>
+            </a:r>
+            <a:r>
+              <a:rPr lang="en-US" dirty="0"/>
+              <a:t>significantly prunes our search while retaining the relative soundness and completeness of </a:t>
+            </a:r>
+            <a:r>
+              <a:rPr lang="en-US" dirty="0" err="1"/>
+              <a:t>concolic</a:t>
+            </a:r>
+            <a:r>
+              <a:rPr lang="en-US" dirty="0"/>
+              <a:t> </a:t>
+            </a:r>
+            <a:r>
+              <a:rPr lang="en-US" dirty="0" smtClean="0"/>
+              <a:t>testing</a:t>
+            </a:r>
+            <a:endParaRPr lang="en-US" dirty="0"/>
+          </a:p>
+        </p:txBody>
+      </p:sp>
+    </p:spTree>
+    <p:extLst>
+      <p:ext uri="{BB962C8B-B14F-4D97-AF65-F5344CB8AC3E}">
+        <p14:creationId xmlns:p14="http://schemas.microsoft.com/office/powerpoint/2010/main" val="2283590571"/>
+      </p:ext>
+    </p:extLst>
+  </p:cSld>
+  <p:clrMapOvr>
+    <a:masterClrMapping/>
+  </p:clrMapOvr>
+</p:sld>
+</file>
+
 <file path=ppt/slides/slide2.xml><?xml version="1.0" encoding="utf-8"?>
 <p:sld xmlns:a="http://schemas.openxmlformats.org/drawingml/2006/main" xmlns:r="http://schemas.openxmlformats.org/officeDocument/2006/relationships" xmlns:p="http://schemas.openxmlformats.org/presentationml/2006/main">
   <p:cSld>
@@ -4028,7 +5713,6 @@
               <a:rPr lang="en-US" sz="1800" dirty="0" smtClean="0"/>
               <a:t>Handle String equals.</a:t>
             </a:r>
-            <a:endParaRPr lang="en-US" sz="1800" dirty="0" smtClean="0"/>
           </a:p>
           <a:p>
             <a:r>
@@ -4071,11 +5755,7 @@
             </a:r>
             <a:r>
               <a:rPr lang="en-US" sz="1800" dirty="0" smtClean="0"/>
-              <a:t> to </a:t>
-            </a:r>
-            <a:r>
-              <a:rPr lang="en-US" sz="1800" dirty="0" smtClean="0"/>
-              <a:t>implement custom search strategies</a:t>
+              <a:t> to implement custom search strategies</a:t>
             </a:r>
           </a:p>
           <a:p>
@@ -4095,6 +5775,2120 @@
     <p:extLst>
       <p:ext uri="{BB962C8B-B14F-4D97-AF65-F5344CB8AC3E}">
         <p14:creationId xmlns:p14="http://schemas.microsoft.com/office/powerpoint/2010/main" val="4008190780"/>
+      </p:ext>
+    </p:extLst>
+  </p:cSld>
+  <p:clrMapOvr>
+    <a:masterClrMapping/>
+  </p:clrMapOvr>
+</p:sld>
+</file>
+
+<file path=ppt/slides/slide4.xml><?xml version="1.0" encoding="utf-8"?>
+<p:sld xmlns:a="http://schemas.openxmlformats.org/drawingml/2006/main" xmlns:r="http://schemas.openxmlformats.org/officeDocument/2006/relationships" xmlns:p="http://schemas.openxmlformats.org/presentationml/2006/main">
+  <p:cSld>
+    <p:spTree>
+      <p:nvGrpSpPr>
+        <p:cNvPr id="1" name=""/>
+        <p:cNvGrpSpPr/>
+        <p:nvPr/>
+      </p:nvGrpSpPr>
+      <p:grpSpPr>
+        <a:xfrm>
+          <a:off x="0" y="0"/>
+          <a:ext cx="0" cy="0"/>
+          <a:chOff x="0" y="0"/>
+          <a:chExt cx="0" cy="0"/>
+        </a:xfrm>
+      </p:grpSpPr>
+      <p:sp>
+        <p:nvSpPr>
+          <p:cNvPr id="32770" name="Rectangle 2"/>
+          <p:cNvSpPr>
+            <a:spLocks noGrp="1" noChangeArrowheads="1"/>
+          </p:cNvSpPr>
+          <p:nvPr>
+            <p:ph type="title"/>
+          </p:nvPr>
+        </p:nvSpPr>
+        <p:spPr>
+          <a:xfrm>
+            <a:off x="457200" y="-97273"/>
+            <a:ext cx="8229600" cy="1143000"/>
+          </a:xfrm>
+        </p:spPr>
+        <p:txBody>
+          <a:bodyPr/>
+          <a:lstStyle/>
+          <a:p>
+            <a:pPr eaLnBrk="1" hangingPunct="1"/>
+            <a:r>
+              <a:rPr lang="en-US" sz="3800" dirty="0">
+                <a:latin typeface="Garamond" charset="0"/>
+              </a:rPr>
+              <a:t>Limitations</a:t>
+            </a:r>
+          </a:p>
+        </p:txBody>
+      </p:sp>
+      <p:sp>
+        <p:nvSpPr>
+          <p:cNvPr id="32771" name="Rectangle 3"/>
+          <p:cNvSpPr>
+            <a:spLocks noGrp="1" noChangeArrowheads="1"/>
+          </p:cNvSpPr>
+          <p:nvPr>
+            <p:ph type="body" idx="1"/>
+          </p:nvPr>
+        </p:nvSpPr>
+        <p:spPr>
+          <a:xfrm>
+            <a:off x="457200" y="990600"/>
+            <a:ext cx="8229600" cy="685800"/>
+          </a:xfrm>
+        </p:spPr>
+        <p:txBody>
+          <a:bodyPr/>
+          <a:lstStyle/>
+          <a:p>
+            <a:pPr eaLnBrk="1" hangingPunct="1">
+              <a:lnSpc>
+                <a:spcPct val="80000"/>
+              </a:lnSpc>
+            </a:pPr>
+            <a:r>
+              <a:rPr lang="en-US" sz="2100">
+                <a:latin typeface="Comic Sans MS" charset="0"/>
+              </a:rPr>
+              <a:t>Path Space of a Large Program is Huge</a:t>
+            </a:r>
+            <a:endParaRPr lang="en-US" sz="2100">
+              <a:solidFill>
+                <a:srgbClr val="FF0000"/>
+              </a:solidFill>
+              <a:latin typeface="Comic Sans MS" charset="0"/>
+            </a:endParaRPr>
+          </a:p>
+          <a:p>
+            <a:pPr lvl="1" eaLnBrk="1" hangingPunct="1">
+              <a:lnSpc>
+                <a:spcPct val="80000"/>
+              </a:lnSpc>
+            </a:pPr>
+            <a:r>
+              <a:rPr lang="en-US" sz="2000">
+                <a:solidFill>
+                  <a:srgbClr val="FF0000"/>
+                </a:solidFill>
+                <a:latin typeface="Comic Sans MS" charset="0"/>
+              </a:rPr>
+              <a:t>Path Explosion Problem</a:t>
+            </a:r>
+          </a:p>
+        </p:txBody>
+      </p:sp>
+      <p:sp>
+        <p:nvSpPr>
+          <p:cNvPr id="32772" name="AutoShape 5"/>
+          <p:cNvSpPr>
+            <a:spLocks noChangeArrowheads="1"/>
+          </p:cNvSpPr>
+          <p:nvPr/>
+        </p:nvSpPr>
+        <p:spPr bwMode="auto">
+          <a:xfrm>
+            <a:off x="838200" y="1981200"/>
+            <a:ext cx="3505200" cy="4038600"/>
+          </a:xfrm>
+          <a:prstGeom prst="triangle">
+            <a:avLst>
+              <a:gd name="adj" fmla="val 50000"/>
+            </a:avLst>
+          </a:prstGeom>
+          <a:solidFill>
+            <a:srgbClr val="FFFF99"/>
+          </a:solidFill>
+          <a:ln w="12700">
+            <a:solidFill>
+              <a:schemeClr val="tx1"/>
+            </a:solidFill>
+            <a:miter lim="800000"/>
+            <a:headEnd/>
+            <a:tailEnd/>
+          </a:ln>
+        </p:spPr>
+        <p:txBody>
+          <a:bodyPr anchor="ctr">
+            <a:spAutoFit/>
+          </a:bodyPr>
+          <a:lstStyle/>
+          <a:p>
+            <a:endParaRPr lang="en-US"/>
+          </a:p>
+        </p:txBody>
+      </p:sp>
+      <p:grpSp>
+        <p:nvGrpSpPr>
+          <p:cNvPr id="32773" name="Group 6"/>
+          <p:cNvGrpSpPr>
+            <a:grpSpLocks/>
+          </p:cNvGrpSpPr>
+          <p:nvPr/>
+        </p:nvGrpSpPr>
+        <p:grpSpPr bwMode="auto">
+          <a:xfrm>
+            <a:off x="5105400" y="1828800"/>
+            <a:ext cx="2667000" cy="914400"/>
+            <a:chOff x="2736" y="2928"/>
+            <a:chExt cx="1680" cy="576"/>
+          </a:xfrm>
+        </p:grpSpPr>
+        <p:sp>
+          <p:nvSpPr>
+            <p:cNvPr id="32774" name="AutoShape 7"/>
+            <p:cNvSpPr>
+              <a:spLocks noChangeArrowheads="1"/>
+            </p:cNvSpPr>
+            <p:nvPr/>
+          </p:nvSpPr>
+          <p:spPr bwMode="auto">
+            <a:xfrm>
+              <a:off x="2736" y="2928"/>
+              <a:ext cx="1680" cy="576"/>
+            </a:xfrm>
+            <a:prstGeom prst="wedgeRoundRectCallout">
+              <a:avLst>
+                <a:gd name="adj1" fmla="val -128810"/>
+                <a:gd name="adj2" fmla="val 73787"/>
+                <a:gd name="adj3" fmla="val 16667"/>
+              </a:avLst>
+            </a:prstGeom>
+            <a:solidFill>
+              <a:srgbClr val="CCFFFF"/>
+            </a:solidFill>
+            <a:ln w="12700">
+              <a:solidFill>
+                <a:schemeClr val="tx1"/>
+              </a:solidFill>
+              <a:miter lim="800000"/>
+              <a:headEnd/>
+              <a:tailEnd/>
+            </a:ln>
+          </p:spPr>
+          <p:txBody>
+            <a:bodyPr anchor="ctr"/>
+            <a:lstStyle/>
+            <a:p>
+              <a:endParaRPr lang="en-US"/>
+            </a:p>
+          </p:txBody>
+        </p:sp>
+        <p:sp>
+          <p:nvSpPr>
+            <p:cNvPr id="32775" name="Text Box 8"/>
+            <p:cNvSpPr txBox="1">
+              <a:spLocks noChangeArrowheads="1"/>
+            </p:cNvSpPr>
+            <p:nvPr/>
+          </p:nvSpPr>
+          <p:spPr bwMode="auto">
+            <a:xfrm>
+              <a:off x="2784" y="3024"/>
+              <a:ext cx="1584" cy="404"/>
+            </a:xfrm>
+            <a:prstGeom prst="rect">
+              <a:avLst/>
+            </a:prstGeom>
+            <a:noFill/>
+            <a:ln>
+              <a:noFill/>
+            </a:ln>
+            <a:extLst>
+              <a:ext uri="{909E8E84-426E-40dd-AFC4-6F175D3DCCD1}">
+                <a14:hiddenFill xmlns:a14="http://schemas.microsoft.com/office/drawing/2010/main">
+                  <a:solidFill>
+                    <a:srgbClr val="FFFFFF"/>
+                  </a:solidFill>
+                </a14:hiddenFill>
+              </a:ext>
+              <a:ext uri="{91240B29-F687-4f45-9708-019B960494DF}">
+                <a14:hiddenLine xmlns:a14="http://schemas.microsoft.com/office/drawing/2010/main" w="12700">
+                  <a:solidFill>
+                    <a:srgbClr val="000000"/>
+                  </a:solidFill>
+                  <a:miter lim="800000"/>
+                  <a:headEnd/>
+                  <a:tailEnd/>
+                </a14:hiddenLine>
+              </a:ext>
+            </a:extLst>
+          </p:spPr>
+          <p:txBody>
+            <a:bodyPr>
+              <a:spAutoFit/>
+            </a:bodyPr>
+            <a:lstStyle>
+              <a:lvl1pPr eaLnBrk="0" hangingPunct="0">
+                <a:defRPr b="1">
+                  <a:solidFill>
+                    <a:schemeClr val="tx1"/>
+                  </a:solidFill>
+                  <a:latin typeface="Comic Sans MS" charset="0"/>
+                  <a:ea typeface="ＭＳ Ｐゴシック" charset="0"/>
+                </a:defRPr>
+              </a:lvl1pPr>
+              <a:lvl2pPr marL="742950" indent="-285750" eaLnBrk="0" hangingPunct="0">
+                <a:defRPr b="1">
+                  <a:solidFill>
+                    <a:schemeClr val="tx1"/>
+                  </a:solidFill>
+                  <a:latin typeface="Comic Sans MS" charset="0"/>
+                  <a:ea typeface="ＭＳ Ｐゴシック" charset="0"/>
+                </a:defRPr>
+              </a:lvl2pPr>
+              <a:lvl3pPr marL="1143000" indent="-228600" eaLnBrk="0" hangingPunct="0">
+                <a:defRPr b="1">
+                  <a:solidFill>
+                    <a:schemeClr val="tx1"/>
+                  </a:solidFill>
+                  <a:latin typeface="Comic Sans MS" charset="0"/>
+                  <a:ea typeface="ＭＳ Ｐゴシック" charset="0"/>
+                </a:defRPr>
+              </a:lvl3pPr>
+              <a:lvl4pPr marL="1600200" indent="-228600" eaLnBrk="0" hangingPunct="0">
+                <a:defRPr b="1">
+                  <a:solidFill>
+                    <a:schemeClr val="tx1"/>
+                  </a:solidFill>
+                  <a:latin typeface="Comic Sans MS" charset="0"/>
+                  <a:ea typeface="ＭＳ Ｐゴシック" charset="0"/>
+                </a:defRPr>
+              </a:lvl4pPr>
+              <a:lvl5pPr marL="2057400" indent="-228600" eaLnBrk="0" hangingPunct="0">
+                <a:defRPr b="1">
+                  <a:solidFill>
+                    <a:schemeClr val="tx1"/>
+                  </a:solidFill>
+                  <a:latin typeface="Comic Sans MS" charset="0"/>
+                  <a:ea typeface="ＭＳ Ｐゴシック" charset="0"/>
+                </a:defRPr>
+              </a:lvl5pPr>
+              <a:lvl6pPr marL="2514600" indent="-228600" algn="ctr" eaLnBrk="0" fontAlgn="base" hangingPunct="0">
+                <a:spcBef>
+                  <a:spcPct val="50000"/>
+                </a:spcBef>
+                <a:spcAft>
+                  <a:spcPct val="0"/>
+                </a:spcAft>
+                <a:defRPr b="1">
+                  <a:solidFill>
+                    <a:schemeClr val="tx1"/>
+                  </a:solidFill>
+                  <a:latin typeface="Comic Sans MS" charset="0"/>
+                  <a:ea typeface="ＭＳ Ｐゴシック" charset="0"/>
+                </a:defRPr>
+              </a:lvl6pPr>
+              <a:lvl7pPr marL="2971800" indent="-228600" algn="ctr" eaLnBrk="0" fontAlgn="base" hangingPunct="0">
+                <a:spcBef>
+                  <a:spcPct val="50000"/>
+                </a:spcBef>
+                <a:spcAft>
+                  <a:spcPct val="0"/>
+                </a:spcAft>
+                <a:defRPr b="1">
+                  <a:solidFill>
+                    <a:schemeClr val="tx1"/>
+                  </a:solidFill>
+                  <a:latin typeface="Comic Sans MS" charset="0"/>
+                  <a:ea typeface="ＭＳ Ｐゴシック" charset="0"/>
+                </a:defRPr>
+              </a:lvl7pPr>
+              <a:lvl8pPr marL="3429000" indent="-228600" algn="ctr" eaLnBrk="0" fontAlgn="base" hangingPunct="0">
+                <a:spcBef>
+                  <a:spcPct val="50000"/>
+                </a:spcBef>
+                <a:spcAft>
+                  <a:spcPct val="0"/>
+                </a:spcAft>
+                <a:defRPr b="1">
+                  <a:solidFill>
+                    <a:schemeClr val="tx1"/>
+                  </a:solidFill>
+                  <a:latin typeface="Comic Sans MS" charset="0"/>
+                  <a:ea typeface="ＭＳ Ｐゴシック" charset="0"/>
+                </a:defRPr>
+              </a:lvl8pPr>
+              <a:lvl9pPr marL="3886200" indent="-228600" algn="ctr" eaLnBrk="0" fontAlgn="base" hangingPunct="0">
+                <a:spcBef>
+                  <a:spcPct val="50000"/>
+                </a:spcBef>
+                <a:spcAft>
+                  <a:spcPct val="0"/>
+                </a:spcAft>
+                <a:defRPr b="1">
+                  <a:solidFill>
+                    <a:schemeClr val="tx1"/>
+                  </a:solidFill>
+                  <a:latin typeface="Comic Sans MS" charset="0"/>
+                  <a:ea typeface="ＭＳ Ｐゴシック" charset="0"/>
+                </a:defRPr>
+              </a:lvl9pPr>
+            </a:lstStyle>
+            <a:p>
+              <a:pPr eaLnBrk="1" hangingPunct="1"/>
+              <a:r>
+                <a:rPr lang="en-US"/>
+                <a:t>Entire Computation Tree</a:t>
+              </a:r>
+            </a:p>
+          </p:txBody>
+        </p:sp>
+      </p:grpSp>
+    </p:spTree>
+    <p:extLst>
+      <p:ext uri="{BB962C8B-B14F-4D97-AF65-F5344CB8AC3E}">
+        <p14:creationId xmlns:p14="http://schemas.microsoft.com/office/powerpoint/2010/main" val="3149961280"/>
+      </p:ext>
+    </p:extLst>
+  </p:cSld>
+  <p:clrMapOvr>
+    <a:masterClrMapping/>
+  </p:clrMapOvr>
+</p:sld>
+</file>
+
+<file path=ppt/slides/slide5.xml><?xml version="1.0" encoding="utf-8"?>
+<p:sld xmlns:a="http://schemas.openxmlformats.org/drawingml/2006/main" xmlns:r="http://schemas.openxmlformats.org/officeDocument/2006/relationships" xmlns:p="http://schemas.openxmlformats.org/presentationml/2006/main">
+  <p:cSld>
+    <p:spTree>
+      <p:nvGrpSpPr>
+        <p:cNvPr id="1" name=""/>
+        <p:cNvGrpSpPr/>
+        <p:nvPr/>
+      </p:nvGrpSpPr>
+      <p:grpSpPr>
+        <a:xfrm>
+          <a:off x="0" y="0"/>
+          <a:ext cx="0" cy="0"/>
+          <a:chOff x="0" y="0"/>
+          <a:chExt cx="0" cy="0"/>
+        </a:xfrm>
+      </p:grpSpPr>
+      <p:sp>
+        <p:nvSpPr>
+          <p:cNvPr id="33794" name="Rectangle 2"/>
+          <p:cNvSpPr>
+            <a:spLocks noGrp="1" noChangeArrowheads="1"/>
+          </p:cNvSpPr>
+          <p:nvPr>
+            <p:ph type="title"/>
+          </p:nvPr>
+        </p:nvSpPr>
+        <p:spPr>
+          <a:xfrm>
+            <a:off x="457200" y="-6563"/>
+            <a:ext cx="8229600" cy="1143000"/>
+          </a:xfrm>
+        </p:spPr>
+        <p:txBody>
+          <a:bodyPr/>
+          <a:lstStyle/>
+          <a:p>
+            <a:pPr eaLnBrk="1" hangingPunct="1"/>
+            <a:r>
+              <a:rPr lang="en-US" sz="3800" dirty="0">
+                <a:latin typeface="Garamond" charset="0"/>
+              </a:rPr>
+              <a:t>Limitations</a:t>
+            </a:r>
+          </a:p>
+        </p:txBody>
+      </p:sp>
+      <p:sp>
+        <p:nvSpPr>
+          <p:cNvPr id="33795" name="Rectangle 3"/>
+          <p:cNvSpPr>
+            <a:spLocks noGrp="1" noChangeArrowheads="1"/>
+          </p:cNvSpPr>
+          <p:nvPr>
+            <p:ph type="body" idx="1"/>
+          </p:nvPr>
+        </p:nvSpPr>
+        <p:spPr>
+          <a:xfrm>
+            <a:off x="457200" y="990600"/>
+            <a:ext cx="8229600" cy="685800"/>
+          </a:xfrm>
+        </p:spPr>
+        <p:txBody>
+          <a:bodyPr/>
+          <a:lstStyle/>
+          <a:p>
+            <a:pPr eaLnBrk="1" hangingPunct="1">
+              <a:lnSpc>
+                <a:spcPct val="80000"/>
+              </a:lnSpc>
+            </a:pPr>
+            <a:r>
+              <a:rPr lang="en-US" sz="2100">
+                <a:latin typeface="Comic Sans MS" charset="0"/>
+              </a:rPr>
+              <a:t>Path Space of a Large Program is Huge</a:t>
+            </a:r>
+            <a:endParaRPr lang="en-US" sz="2100">
+              <a:solidFill>
+                <a:srgbClr val="FF0000"/>
+              </a:solidFill>
+              <a:latin typeface="Comic Sans MS" charset="0"/>
+            </a:endParaRPr>
+          </a:p>
+          <a:p>
+            <a:pPr lvl="1" eaLnBrk="1" hangingPunct="1">
+              <a:lnSpc>
+                <a:spcPct val="80000"/>
+              </a:lnSpc>
+            </a:pPr>
+            <a:r>
+              <a:rPr lang="en-US" sz="2000">
+                <a:solidFill>
+                  <a:srgbClr val="FF0000"/>
+                </a:solidFill>
+                <a:latin typeface="Comic Sans MS" charset="0"/>
+              </a:rPr>
+              <a:t>Path Explosion Problem</a:t>
+            </a:r>
+          </a:p>
+        </p:txBody>
+      </p:sp>
+      <p:sp>
+        <p:nvSpPr>
+          <p:cNvPr id="33796" name="AutoShape 5"/>
+          <p:cNvSpPr>
+            <a:spLocks noChangeArrowheads="1"/>
+          </p:cNvSpPr>
+          <p:nvPr/>
+        </p:nvSpPr>
+        <p:spPr bwMode="auto">
+          <a:xfrm>
+            <a:off x="838200" y="1981200"/>
+            <a:ext cx="3505200" cy="4038600"/>
+          </a:xfrm>
+          <a:prstGeom prst="triangle">
+            <a:avLst>
+              <a:gd name="adj" fmla="val 50000"/>
+            </a:avLst>
+          </a:prstGeom>
+          <a:solidFill>
+            <a:srgbClr val="FFFF99"/>
+          </a:solidFill>
+          <a:ln w="12700">
+            <a:solidFill>
+              <a:schemeClr val="tx1"/>
+            </a:solidFill>
+            <a:miter lim="800000"/>
+            <a:headEnd/>
+            <a:tailEnd/>
+          </a:ln>
+        </p:spPr>
+        <p:txBody>
+          <a:bodyPr anchor="ctr">
+            <a:spAutoFit/>
+          </a:bodyPr>
+          <a:lstStyle/>
+          <a:p>
+            <a:endParaRPr lang="en-US"/>
+          </a:p>
+        </p:txBody>
+      </p:sp>
+      <p:sp>
+        <p:nvSpPr>
+          <p:cNvPr id="33797" name="AutoShape 6"/>
+          <p:cNvSpPr>
+            <a:spLocks noChangeArrowheads="1"/>
+          </p:cNvSpPr>
+          <p:nvPr/>
+        </p:nvSpPr>
+        <p:spPr bwMode="auto">
+          <a:xfrm>
+            <a:off x="1676400" y="5334000"/>
+            <a:ext cx="685800" cy="685800"/>
+          </a:xfrm>
+          <a:prstGeom prst="triangle">
+            <a:avLst>
+              <a:gd name="adj" fmla="val 50000"/>
+            </a:avLst>
+          </a:prstGeom>
+          <a:solidFill>
+            <a:srgbClr val="008000"/>
+          </a:solidFill>
+          <a:ln w="12700">
+            <a:solidFill>
+              <a:schemeClr val="tx1"/>
+            </a:solidFill>
+            <a:miter lim="800000"/>
+            <a:headEnd/>
+            <a:tailEnd/>
+          </a:ln>
+        </p:spPr>
+        <p:txBody>
+          <a:bodyPr wrap="none" anchor="ctr">
+            <a:spAutoFit/>
+          </a:bodyPr>
+          <a:lstStyle/>
+          <a:p>
+            <a:endParaRPr lang="en-US"/>
+          </a:p>
+        </p:txBody>
+      </p:sp>
+      <p:grpSp>
+        <p:nvGrpSpPr>
+          <p:cNvPr id="33798" name="Group 7"/>
+          <p:cNvGrpSpPr>
+            <a:grpSpLocks/>
+          </p:cNvGrpSpPr>
+          <p:nvPr/>
+        </p:nvGrpSpPr>
+        <p:grpSpPr bwMode="auto">
+          <a:xfrm>
+            <a:off x="4343400" y="4648200"/>
+            <a:ext cx="2667000" cy="914400"/>
+            <a:chOff x="2736" y="2928"/>
+            <a:chExt cx="1680" cy="576"/>
+          </a:xfrm>
+        </p:grpSpPr>
+        <p:sp>
+          <p:nvSpPr>
+            <p:cNvPr id="33803" name="AutoShape 8"/>
+            <p:cNvSpPr>
+              <a:spLocks noChangeArrowheads="1"/>
+            </p:cNvSpPr>
+            <p:nvPr/>
+          </p:nvSpPr>
+          <p:spPr bwMode="auto">
+            <a:xfrm>
+              <a:off x="2736" y="2928"/>
+              <a:ext cx="1680" cy="576"/>
+            </a:xfrm>
+            <a:prstGeom prst="wedgeRoundRectCallout">
+              <a:avLst>
+                <a:gd name="adj1" fmla="val -128810"/>
+                <a:gd name="adj2" fmla="val 73787"/>
+                <a:gd name="adj3" fmla="val 16667"/>
+              </a:avLst>
+            </a:prstGeom>
+            <a:solidFill>
+              <a:srgbClr val="CCFFFF"/>
+            </a:solidFill>
+            <a:ln w="12700">
+              <a:solidFill>
+                <a:schemeClr val="tx1"/>
+              </a:solidFill>
+              <a:miter lim="800000"/>
+              <a:headEnd/>
+              <a:tailEnd/>
+            </a:ln>
+          </p:spPr>
+          <p:txBody>
+            <a:bodyPr anchor="ctr"/>
+            <a:lstStyle/>
+            <a:p>
+              <a:endParaRPr lang="en-US"/>
+            </a:p>
+          </p:txBody>
+        </p:sp>
+        <p:sp>
+          <p:nvSpPr>
+            <p:cNvPr id="33804" name="Text Box 9"/>
+            <p:cNvSpPr txBox="1">
+              <a:spLocks noChangeArrowheads="1"/>
+            </p:cNvSpPr>
+            <p:nvPr/>
+          </p:nvSpPr>
+          <p:spPr bwMode="auto">
+            <a:xfrm>
+              <a:off x="2784" y="3024"/>
+              <a:ext cx="1584" cy="404"/>
+            </a:xfrm>
+            <a:prstGeom prst="rect">
+              <a:avLst/>
+            </a:prstGeom>
+            <a:noFill/>
+            <a:ln>
+              <a:noFill/>
+            </a:ln>
+            <a:extLst>
+              <a:ext uri="{909E8E84-426E-40dd-AFC4-6F175D3DCCD1}">
+                <a14:hiddenFill xmlns:a14="http://schemas.microsoft.com/office/drawing/2010/main">
+                  <a:solidFill>
+                    <a:srgbClr val="FFFFFF"/>
+                  </a:solidFill>
+                </a14:hiddenFill>
+              </a:ext>
+              <a:ext uri="{91240B29-F687-4f45-9708-019B960494DF}">
+                <a14:hiddenLine xmlns:a14="http://schemas.microsoft.com/office/drawing/2010/main" w="12700">
+                  <a:solidFill>
+                    <a:srgbClr val="000000"/>
+                  </a:solidFill>
+                  <a:miter lim="800000"/>
+                  <a:headEnd/>
+                  <a:tailEnd/>
+                </a14:hiddenLine>
+              </a:ext>
+            </a:extLst>
+          </p:spPr>
+          <p:txBody>
+            <a:bodyPr>
+              <a:spAutoFit/>
+            </a:bodyPr>
+            <a:lstStyle>
+              <a:lvl1pPr eaLnBrk="0" hangingPunct="0">
+                <a:defRPr b="1">
+                  <a:solidFill>
+                    <a:schemeClr val="tx1"/>
+                  </a:solidFill>
+                  <a:latin typeface="Comic Sans MS" charset="0"/>
+                  <a:ea typeface="ＭＳ Ｐゴシック" charset="0"/>
+                </a:defRPr>
+              </a:lvl1pPr>
+              <a:lvl2pPr marL="742950" indent="-285750" eaLnBrk="0" hangingPunct="0">
+                <a:defRPr b="1">
+                  <a:solidFill>
+                    <a:schemeClr val="tx1"/>
+                  </a:solidFill>
+                  <a:latin typeface="Comic Sans MS" charset="0"/>
+                  <a:ea typeface="ＭＳ Ｐゴシック" charset="0"/>
+                </a:defRPr>
+              </a:lvl2pPr>
+              <a:lvl3pPr marL="1143000" indent="-228600" eaLnBrk="0" hangingPunct="0">
+                <a:defRPr b="1">
+                  <a:solidFill>
+                    <a:schemeClr val="tx1"/>
+                  </a:solidFill>
+                  <a:latin typeface="Comic Sans MS" charset="0"/>
+                  <a:ea typeface="ＭＳ Ｐゴシック" charset="0"/>
+                </a:defRPr>
+              </a:lvl3pPr>
+              <a:lvl4pPr marL="1600200" indent="-228600" eaLnBrk="0" hangingPunct="0">
+                <a:defRPr b="1">
+                  <a:solidFill>
+                    <a:schemeClr val="tx1"/>
+                  </a:solidFill>
+                  <a:latin typeface="Comic Sans MS" charset="0"/>
+                  <a:ea typeface="ＭＳ Ｐゴシック" charset="0"/>
+                </a:defRPr>
+              </a:lvl4pPr>
+              <a:lvl5pPr marL="2057400" indent="-228600" eaLnBrk="0" hangingPunct="0">
+                <a:defRPr b="1">
+                  <a:solidFill>
+                    <a:schemeClr val="tx1"/>
+                  </a:solidFill>
+                  <a:latin typeface="Comic Sans MS" charset="0"/>
+                  <a:ea typeface="ＭＳ Ｐゴシック" charset="0"/>
+                </a:defRPr>
+              </a:lvl5pPr>
+              <a:lvl6pPr marL="2514600" indent="-228600" algn="ctr" eaLnBrk="0" fontAlgn="base" hangingPunct="0">
+                <a:spcBef>
+                  <a:spcPct val="50000"/>
+                </a:spcBef>
+                <a:spcAft>
+                  <a:spcPct val="0"/>
+                </a:spcAft>
+                <a:defRPr b="1">
+                  <a:solidFill>
+                    <a:schemeClr val="tx1"/>
+                  </a:solidFill>
+                  <a:latin typeface="Comic Sans MS" charset="0"/>
+                  <a:ea typeface="ＭＳ Ｐゴシック" charset="0"/>
+                </a:defRPr>
+              </a:lvl6pPr>
+              <a:lvl7pPr marL="2971800" indent="-228600" algn="ctr" eaLnBrk="0" fontAlgn="base" hangingPunct="0">
+                <a:spcBef>
+                  <a:spcPct val="50000"/>
+                </a:spcBef>
+                <a:spcAft>
+                  <a:spcPct val="0"/>
+                </a:spcAft>
+                <a:defRPr b="1">
+                  <a:solidFill>
+                    <a:schemeClr val="tx1"/>
+                  </a:solidFill>
+                  <a:latin typeface="Comic Sans MS" charset="0"/>
+                  <a:ea typeface="ＭＳ Ｐゴシック" charset="0"/>
+                </a:defRPr>
+              </a:lvl7pPr>
+              <a:lvl8pPr marL="3429000" indent="-228600" algn="ctr" eaLnBrk="0" fontAlgn="base" hangingPunct="0">
+                <a:spcBef>
+                  <a:spcPct val="50000"/>
+                </a:spcBef>
+                <a:spcAft>
+                  <a:spcPct val="0"/>
+                </a:spcAft>
+                <a:defRPr b="1">
+                  <a:solidFill>
+                    <a:schemeClr val="tx1"/>
+                  </a:solidFill>
+                  <a:latin typeface="Comic Sans MS" charset="0"/>
+                  <a:ea typeface="ＭＳ Ｐゴシック" charset="0"/>
+                </a:defRPr>
+              </a:lvl8pPr>
+              <a:lvl9pPr marL="3886200" indent="-228600" algn="ctr" eaLnBrk="0" fontAlgn="base" hangingPunct="0">
+                <a:spcBef>
+                  <a:spcPct val="50000"/>
+                </a:spcBef>
+                <a:spcAft>
+                  <a:spcPct val="0"/>
+                </a:spcAft>
+                <a:defRPr b="1">
+                  <a:solidFill>
+                    <a:schemeClr val="tx1"/>
+                  </a:solidFill>
+                  <a:latin typeface="Comic Sans MS" charset="0"/>
+                  <a:ea typeface="ＭＳ Ｐゴシック" charset="0"/>
+                </a:defRPr>
+              </a:lvl9pPr>
+            </a:lstStyle>
+            <a:p>
+              <a:pPr eaLnBrk="1" hangingPunct="1"/>
+              <a:r>
+                <a:rPr lang="en-US"/>
+                <a:t>Explored by  Concolic Testing</a:t>
+              </a:r>
+            </a:p>
+          </p:txBody>
+        </p:sp>
+      </p:grpSp>
+      <p:grpSp>
+        <p:nvGrpSpPr>
+          <p:cNvPr id="33799" name="Group 10"/>
+          <p:cNvGrpSpPr>
+            <a:grpSpLocks/>
+          </p:cNvGrpSpPr>
+          <p:nvPr/>
+        </p:nvGrpSpPr>
+        <p:grpSpPr bwMode="auto">
+          <a:xfrm>
+            <a:off x="5105400" y="1828800"/>
+            <a:ext cx="2667000" cy="914400"/>
+            <a:chOff x="2736" y="2928"/>
+            <a:chExt cx="1680" cy="576"/>
+          </a:xfrm>
+        </p:grpSpPr>
+        <p:sp>
+          <p:nvSpPr>
+            <p:cNvPr id="33801" name="AutoShape 11"/>
+            <p:cNvSpPr>
+              <a:spLocks noChangeArrowheads="1"/>
+            </p:cNvSpPr>
+            <p:nvPr/>
+          </p:nvSpPr>
+          <p:spPr bwMode="auto">
+            <a:xfrm>
+              <a:off x="2736" y="2928"/>
+              <a:ext cx="1680" cy="576"/>
+            </a:xfrm>
+            <a:prstGeom prst="wedgeRoundRectCallout">
+              <a:avLst>
+                <a:gd name="adj1" fmla="val -128810"/>
+                <a:gd name="adj2" fmla="val 73787"/>
+                <a:gd name="adj3" fmla="val 16667"/>
+              </a:avLst>
+            </a:prstGeom>
+            <a:solidFill>
+              <a:srgbClr val="CCFFFF"/>
+            </a:solidFill>
+            <a:ln w="12700">
+              <a:solidFill>
+                <a:schemeClr val="tx1"/>
+              </a:solidFill>
+              <a:miter lim="800000"/>
+              <a:headEnd/>
+              <a:tailEnd/>
+            </a:ln>
+          </p:spPr>
+          <p:txBody>
+            <a:bodyPr anchor="ctr"/>
+            <a:lstStyle/>
+            <a:p>
+              <a:endParaRPr lang="en-US"/>
+            </a:p>
+          </p:txBody>
+        </p:sp>
+        <p:sp>
+          <p:nvSpPr>
+            <p:cNvPr id="33802" name="Text Box 12"/>
+            <p:cNvSpPr txBox="1">
+              <a:spLocks noChangeArrowheads="1"/>
+            </p:cNvSpPr>
+            <p:nvPr/>
+          </p:nvSpPr>
+          <p:spPr bwMode="auto">
+            <a:xfrm>
+              <a:off x="2784" y="3024"/>
+              <a:ext cx="1584" cy="404"/>
+            </a:xfrm>
+            <a:prstGeom prst="rect">
+              <a:avLst/>
+            </a:prstGeom>
+            <a:noFill/>
+            <a:ln>
+              <a:noFill/>
+            </a:ln>
+            <a:extLst>
+              <a:ext uri="{909E8E84-426E-40dd-AFC4-6F175D3DCCD1}">
+                <a14:hiddenFill xmlns:a14="http://schemas.microsoft.com/office/drawing/2010/main">
+                  <a:solidFill>
+                    <a:srgbClr val="FFFFFF"/>
+                  </a:solidFill>
+                </a14:hiddenFill>
+              </a:ext>
+              <a:ext uri="{91240B29-F687-4f45-9708-019B960494DF}">
+                <a14:hiddenLine xmlns:a14="http://schemas.microsoft.com/office/drawing/2010/main" w="12700">
+                  <a:solidFill>
+                    <a:srgbClr val="000000"/>
+                  </a:solidFill>
+                  <a:miter lim="800000"/>
+                  <a:headEnd/>
+                  <a:tailEnd/>
+                </a14:hiddenLine>
+              </a:ext>
+            </a:extLst>
+          </p:spPr>
+          <p:txBody>
+            <a:bodyPr>
+              <a:spAutoFit/>
+            </a:bodyPr>
+            <a:lstStyle>
+              <a:lvl1pPr eaLnBrk="0" hangingPunct="0">
+                <a:defRPr b="1">
+                  <a:solidFill>
+                    <a:schemeClr val="tx1"/>
+                  </a:solidFill>
+                  <a:latin typeface="Comic Sans MS" charset="0"/>
+                  <a:ea typeface="ＭＳ Ｐゴシック" charset="0"/>
+                </a:defRPr>
+              </a:lvl1pPr>
+              <a:lvl2pPr marL="742950" indent="-285750" eaLnBrk="0" hangingPunct="0">
+                <a:defRPr b="1">
+                  <a:solidFill>
+                    <a:schemeClr val="tx1"/>
+                  </a:solidFill>
+                  <a:latin typeface="Comic Sans MS" charset="0"/>
+                  <a:ea typeface="ＭＳ Ｐゴシック" charset="0"/>
+                </a:defRPr>
+              </a:lvl2pPr>
+              <a:lvl3pPr marL="1143000" indent="-228600" eaLnBrk="0" hangingPunct="0">
+                <a:defRPr b="1">
+                  <a:solidFill>
+                    <a:schemeClr val="tx1"/>
+                  </a:solidFill>
+                  <a:latin typeface="Comic Sans MS" charset="0"/>
+                  <a:ea typeface="ＭＳ Ｐゴシック" charset="0"/>
+                </a:defRPr>
+              </a:lvl3pPr>
+              <a:lvl4pPr marL="1600200" indent="-228600" eaLnBrk="0" hangingPunct="0">
+                <a:defRPr b="1">
+                  <a:solidFill>
+                    <a:schemeClr val="tx1"/>
+                  </a:solidFill>
+                  <a:latin typeface="Comic Sans MS" charset="0"/>
+                  <a:ea typeface="ＭＳ Ｐゴシック" charset="0"/>
+                </a:defRPr>
+              </a:lvl4pPr>
+              <a:lvl5pPr marL="2057400" indent="-228600" eaLnBrk="0" hangingPunct="0">
+                <a:defRPr b="1">
+                  <a:solidFill>
+                    <a:schemeClr val="tx1"/>
+                  </a:solidFill>
+                  <a:latin typeface="Comic Sans MS" charset="0"/>
+                  <a:ea typeface="ＭＳ Ｐゴシック" charset="0"/>
+                </a:defRPr>
+              </a:lvl5pPr>
+              <a:lvl6pPr marL="2514600" indent="-228600" algn="ctr" eaLnBrk="0" fontAlgn="base" hangingPunct="0">
+                <a:spcBef>
+                  <a:spcPct val="50000"/>
+                </a:spcBef>
+                <a:spcAft>
+                  <a:spcPct val="0"/>
+                </a:spcAft>
+                <a:defRPr b="1">
+                  <a:solidFill>
+                    <a:schemeClr val="tx1"/>
+                  </a:solidFill>
+                  <a:latin typeface="Comic Sans MS" charset="0"/>
+                  <a:ea typeface="ＭＳ Ｐゴシック" charset="0"/>
+                </a:defRPr>
+              </a:lvl6pPr>
+              <a:lvl7pPr marL="2971800" indent="-228600" algn="ctr" eaLnBrk="0" fontAlgn="base" hangingPunct="0">
+                <a:spcBef>
+                  <a:spcPct val="50000"/>
+                </a:spcBef>
+                <a:spcAft>
+                  <a:spcPct val="0"/>
+                </a:spcAft>
+                <a:defRPr b="1">
+                  <a:solidFill>
+                    <a:schemeClr val="tx1"/>
+                  </a:solidFill>
+                  <a:latin typeface="Comic Sans MS" charset="0"/>
+                  <a:ea typeface="ＭＳ Ｐゴシック" charset="0"/>
+                </a:defRPr>
+              </a:lvl7pPr>
+              <a:lvl8pPr marL="3429000" indent="-228600" algn="ctr" eaLnBrk="0" fontAlgn="base" hangingPunct="0">
+                <a:spcBef>
+                  <a:spcPct val="50000"/>
+                </a:spcBef>
+                <a:spcAft>
+                  <a:spcPct val="0"/>
+                </a:spcAft>
+                <a:defRPr b="1">
+                  <a:solidFill>
+                    <a:schemeClr val="tx1"/>
+                  </a:solidFill>
+                  <a:latin typeface="Comic Sans MS" charset="0"/>
+                  <a:ea typeface="ＭＳ Ｐゴシック" charset="0"/>
+                </a:defRPr>
+              </a:lvl8pPr>
+              <a:lvl9pPr marL="3886200" indent="-228600" algn="ctr" eaLnBrk="0" fontAlgn="base" hangingPunct="0">
+                <a:spcBef>
+                  <a:spcPct val="50000"/>
+                </a:spcBef>
+                <a:spcAft>
+                  <a:spcPct val="0"/>
+                </a:spcAft>
+                <a:defRPr b="1">
+                  <a:solidFill>
+                    <a:schemeClr val="tx1"/>
+                  </a:solidFill>
+                  <a:latin typeface="Comic Sans MS" charset="0"/>
+                  <a:ea typeface="ＭＳ Ｐゴシック" charset="0"/>
+                </a:defRPr>
+              </a:lvl9pPr>
+            </a:lstStyle>
+            <a:p>
+              <a:pPr eaLnBrk="1" hangingPunct="1"/>
+              <a:r>
+                <a:rPr lang="en-US"/>
+                <a:t>Entire Computation Tree</a:t>
+              </a:r>
+            </a:p>
+          </p:txBody>
+        </p:sp>
+      </p:grpSp>
+      <p:sp>
+        <p:nvSpPr>
+          <p:cNvPr id="33800" name="Line 13"/>
+          <p:cNvSpPr>
+            <a:spLocks noChangeShapeType="1"/>
+          </p:cNvSpPr>
+          <p:nvPr/>
+        </p:nvSpPr>
+        <p:spPr bwMode="auto">
+          <a:xfrm flipH="1">
+            <a:off x="2057400" y="1981200"/>
+            <a:ext cx="533400" cy="3429000"/>
+          </a:xfrm>
+          <a:prstGeom prst="line">
+            <a:avLst/>
+          </a:prstGeom>
+          <a:noFill/>
+          <a:ln w="31750">
+            <a:solidFill>
+              <a:srgbClr val="008000"/>
+            </a:solidFill>
+            <a:round/>
+            <a:headEnd/>
+            <a:tailEnd/>
+          </a:ln>
+          <a:extLst>
+            <a:ext uri="{909E8E84-426E-40dd-AFC4-6F175D3DCCD1}">
+              <a14:hiddenFill xmlns:a14="http://schemas.microsoft.com/office/drawing/2010/main">
+                <a:noFill/>
+              </a14:hiddenFill>
+            </a:ext>
+          </a:extLst>
+        </p:spPr>
+        <p:txBody>
+          <a:bodyPr anchor="ctr">
+            <a:spAutoFit/>
+          </a:bodyPr>
+          <a:lstStyle/>
+          <a:p>
+            <a:endParaRPr lang="en-US"/>
+          </a:p>
+        </p:txBody>
+      </p:sp>
+    </p:spTree>
+    <p:extLst>
+      <p:ext uri="{BB962C8B-B14F-4D97-AF65-F5344CB8AC3E}">
+        <p14:creationId xmlns:p14="http://schemas.microsoft.com/office/powerpoint/2010/main" val="942821899"/>
+      </p:ext>
+    </p:extLst>
+  </p:cSld>
+  <p:clrMapOvr>
+    <a:masterClrMapping/>
+  </p:clrMapOvr>
+</p:sld>
+</file>
+
+<file path=ppt/slides/slide6.xml><?xml version="1.0" encoding="utf-8"?>
+<p:sld xmlns:a="http://schemas.openxmlformats.org/drawingml/2006/main" xmlns:r="http://schemas.openxmlformats.org/officeDocument/2006/relationships" xmlns:p="http://schemas.openxmlformats.org/presentationml/2006/main">
+  <p:cSld>
+    <p:spTree>
+      <p:nvGrpSpPr>
+        <p:cNvPr id="1" name=""/>
+        <p:cNvGrpSpPr/>
+        <p:nvPr/>
+      </p:nvGrpSpPr>
+      <p:grpSpPr>
+        <a:xfrm>
+          <a:off x="0" y="0"/>
+          <a:ext cx="0" cy="0"/>
+          <a:chOff x="0" y="0"/>
+          <a:chExt cx="0" cy="0"/>
+        </a:xfrm>
+      </p:grpSpPr>
+      <p:sp>
+        <p:nvSpPr>
+          <p:cNvPr id="2" name="Title 1"/>
+          <p:cNvSpPr>
+            <a:spLocks noGrp="1"/>
+          </p:cNvSpPr>
+          <p:nvPr>
+            <p:ph type="title"/>
+          </p:nvPr>
+        </p:nvSpPr>
+        <p:spPr/>
+        <p:txBody>
+          <a:bodyPr/>
+          <a:lstStyle/>
+          <a:p>
+            <a:r>
+              <a:rPr lang="en-US" dirty="0" smtClean="0"/>
+              <a:t>Limitations</a:t>
+            </a:r>
+            <a:endParaRPr lang="en-US" dirty="0"/>
+          </a:p>
+        </p:txBody>
+      </p:sp>
+      <p:sp>
+        <p:nvSpPr>
+          <p:cNvPr id="3" name="Content Placeholder 2"/>
+          <p:cNvSpPr>
+            <a:spLocks noGrp="1"/>
+          </p:cNvSpPr>
+          <p:nvPr>
+            <p:ph idx="1"/>
+          </p:nvPr>
+        </p:nvSpPr>
+        <p:spPr/>
+        <p:txBody>
+          <a:bodyPr>
+            <a:normAutofit lnSpcReduction="10000"/>
+          </a:bodyPr>
+          <a:lstStyle/>
+          <a:p>
+            <a:r>
+              <a:rPr lang="en-US" dirty="0" smtClean="0"/>
+              <a:t>Simple Depth-First Search is not effective in quickly generating tests</a:t>
+            </a:r>
+          </a:p>
+          <a:p>
+            <a:pPr lvl="1"/>
+            <a:r>
+              <a:rPr lang="en-US" dirty="0" smtClean="0"/>
+              <a:t>exponential blow-up in search space</a:t>
+            </a:r>
+          </a:p>
+          <a:p>
+            <a:r>
+              <a:rPr lang="en-US" dirty="0" smtClean="0"/>
+              <a:t>Various heuristics to guide search</a:t>
+            </a:r>
+          </a:p>
+          <a:p>
+            <a:pPr lvl="1"/>
+            <a:r>
+              <a:rPr lang="en-US" dirty="0" smtClean="0"/>
+              <a:t>Control flow graph based</a:t>
+            </a:r>
+          </a:p>
+          <a:p>
+            <a:pPr lvl="1"/>
+            <a:r>
+              <a:rPr lang="en-US" dirty="0" smtClean="0"/>
+              <a:t>Data slicing based</a:t>
+            </a:r>
+          </a:p>
+          <a:p>
+            <a:pPr lvl="1"/>
+            <a:r>
+              <a:rPr lang="en-US" dirty="0" smtClean="0"/>
+              <a:t>Summary based</a:t>
+            </a:r>
+          </a:p>
+          <a:p>
+            <a:r>
+              <a:rPr lang="en-US" dirty="0" smtClean="0"/>
+              <a:t>None seems to work well for initial database generation</a:t>
+            </a:r>
+            <a:endParaRPr lang="en-US" dirty="0"/>
+          </a:p>
+        </p:txBody>
+      </p:sp>
+    </p:spTree>
+    <p:extLst>
+      <p:ext uri="{BB962C8B-B14F-4D97-AF65-F5344CB8AC3E}">
+        <p14:creationId xmlns:p14="http://schemas.microsoft.com/office/powerpoint/2010/main" val="292758972"/>
+      </p:ext>
+    </p:extLst>
+  </p:cSld>
+  <p:clrMapOvr>
+    <a:masterClrMapping/>
+  </p:clrMapOvr>
+</p:sld>
+</file>
+
+<file path=ppt/slides/slide7.xml><?xml version="1.0" encoding="utf-8"?>
+<p:sld xmlns:a="http://schemas.openxmlformats.org/drawingml/2006/main" xmlns:r="http://schemas.openxmlformats.org/officeDocument/2006/relationships" xmlns:p="http://schemas.openxmlformats.org/presentationml/2006/main">
+  <p:cSld>
+    <p:spTree>
+      <p:nvGrpSpPr>
+        <p:cNvPr id="1" name=""/>
+        <p:cNvGrpSpPr/>
+        <p:nvPr/>
+      </p:nvGrpSpPr>
+      <p:grpSpPr>
+        <a:xfrm>
+          <a:off x="0" y="0"/>
+          <a:ext cx="0" cy="0"/>
+          <a:chOff x="0" y="0"/>
+          <a:chExt cx="0" cy="0"/>
+        </a:xfrm>
+      </p:grpSpPr>
+      <p:sp>
+        <p:nvSpPr>
+          <p:cNvPr id="2" name="Title 1"/>
+          <p:cNvSpPr>
+            <a:spLocks noGrp="1"/>
+          </p:cNvSpPr>
+          <p:nvPr>
+            <p:ph type="title"/>
+          </p:nvPr>
+        </p:nvSpPr>
+        <p:spPr/>
+        <p:txBody>
+          <a:bodyPr/>
+          <a:lstStyle/>
+          <a:p>
+            <a:r>
+              <a:rPr lang="en-US" dirty="0" smtClean="0"/>
+              <a:t>Annotations</a:t>
+            </a:r>
+            <a:endParaRPr lang="en-US" dirty="0"/>
+          </a:p>
+        </p:txBody>
+      </p:sp>
+      <p:sp>
+        <p:nvSpPr>
+          <p:cNvPr id="3" name="Content Placeholder 2"/>
+          <p:cNvSpPr>
+            <a:spLocks noGrp="1"/>
+          </p:cNvSpPr>
+          <p:nvPr>
+            <p:ph idx="1"/>
+          </p:nvPr>
+        </p:nvSpPr>
+        <p:spPr/>
+        <p:txBody>
+          <a:bodyPr>
+            <a:normAutofit fontScale="92500" lnSpcReduction="10000"/>
+          </a:bodyPr>
+          <a:lstStyle/>
+          <a:p>
+            <a:r>
+              <a:rPr lang="en-US" dirty="0" smtClean="0"/>
+              <a:t>User understands the code</a:t>
+            </a:r>
+          </a:p>
+          <a:p>
+            <a:pPr lvl="1"/>
+            <a:r>
+              <a:rPr lang="en-US" dirty="0" smtClean="0"/>
+              <a:t>user can guide us how to search effectively</a:t>
+            </a:r>
+          </a:p>
+          <a:p>
+            <a:r>
+              <a:rPr lang="en-US" dirty="0" smtClean="0"/>
+              <a:t>Goal: provide a simple to use annotation mechanism so that user can guide search by annotating code</a:t>
+            </a:r>
+          </a:p>
+          <a:p>
+            <a:pPr lvl="1"/>
+            <a:r>
+              <a:rPr lang="en-US" dirty="0" smtClean="0"/>
+              <a:t>Number of annotations should be minimal</a:t>
+            </a:r>
+          </a:p>
+          <a:p>
+            <a:pPr lvl="1"/>
+            <a:r>
+              <a:rPr lang="en-US" dirty="0" smtClean="0"/>
+              <a:t>Annotations should be easy to understand</a:t>
+            </a:r>
+          </a:p>
+          <a:p>
+            <a:r>
+              <a:rPr lang="en-US" dirty="0" smtClean="0"/>
+              <a:t>Results:</a:t>
+            </a:r>
+          </a:p>
+          <a:p>
+            <a:pPr lvl="1"/>
+            <a:r>
+              <a:rPr lang="en-US" dirty="0" smtClean="0"/>
+              <a:t>Control Annotation</a:t>
+            </a:r>
+          </a:p>
+          <a:p>
+            <a:pPr lvl="1"/>
+            <a:r>
+              <a:rPr lang="en-US" dirty="0" smtClean="0"/>
+              <a:t>Data Annotation</a:t>
+            </a:r>
+            <a:endParaRPr lang="en-US" dirty="0"/>
+          </a:p>
+        </p:txBody>
+      </p:sp>
+    </p:spTree>
+    <p:extLst>
+      <p:ext uri="{BB962C8B-B14F-4D97-AF65-F5344CB8AC3E}">
+        <p14:creationId xmlns:p14="http://schemas.microsoft.com/office/powerpoint/2010/main" val="553126179"/>
+      </p:ext>
+    </p:extLst>
+  </p:cSld>
+  <p:clrMapOvr>
+    <a:masterClrMapping/>
+  </p:clrMapOvr>
+</p:sld>
+</file>
+
+<file path=ppt/slides/slide8.xml><?xml version="1.0" encoding="utf-8"?>
+<p:sld xmlns:a="http://schemas.openxmlformats.org/drawingml/2006/main" xmlns:r="http://schemas.openxmlformats.org/officeDocument/2006/relationships" xmlns:p="http://schemas.openxmlformats.org/presentationml/2006/main">
+  <p:cSld>
+    <p:spTree>
+      <p:nvGrpSpPr>
+        <p:cNvPr id="1" name=""/>
+        <p:cNvGrpSpPr/>
+        <p:nvPr/>
+      </p:nvGrpSpPr>
+      <p:grpSpPr>
+        <a:xfrm>
+          <a:off x="0" y="0"/>
+          <a:ext cx="0" cy="0"/>
+          <a:chOff x="0" y="0"/>
+          <a:chExt cx="0" cy="0"/>
+        </a:xfrm>
+      </p:grpSpPr>
+      <p:sp>
+        <p:nvSpPr>
+          <p:cNvPr id="2" name="Title 1"/>
+          <p:cNvSpPr>
+            <a:spLocks noGrp="1"/>
+          </p:cNvSpPr>
+          <p:nvPr>
+            <p:ph type="title"/>
+          </p:nvPr>
+        </p:nvSpPr>
+        <p:spPr/>
+        <p:txBody>
+          <a:bodyPr>
+            <a:normAutofit fontScale="90000"/>
+          </a:bodyPr>
+          <a:lstStyle/>
+          <a:p>
+            <a:r>
+              <a:rPr lang="en-US" dirty="0" smtClean="0"/>
+              <a:t>Control Annotation: </a:t>
+            </a:r>
+            <a:r>
+              <a:rPr lang="en-US" dirty="0" err="1" smtClean="0"/>
+              <a:t>assertIfPossible</a:t>
+            </a:r>
+            <a:endParaRPr lang="en-US" dirty="0"/>
+          </a:p>
+        </p:txBody>
+      </p:sp>
+      <p:sp>
+        <p:nvSpPr>
+          <p:cNvPr id="3" name="Content Placeholder 2"/>
+          <p:cNvSpPr>
+            <a:spLocks noGrp="1"/>
+          </p:cNvSpPr>
+          <p:nvPr>
+            <p:ph idx="1"/>
+          </p:nvPr>
+        </p:nvSpPr>
+        <p:spPr/>
+        <p:txBody>
+          <a:bodyPr>
+            <a:normAutofit fontScale="70000" lnSpcReduction="20000"/>
+          </a:bodyPr>
+          <a:lstStyle/>
+          <a:p>
+            <a:r>
+              <a:rPr lang="en-US" dirty="0" err="1" smtClean="0"/>
+              <a:t>CATG.assertIfPossible</a:t>
+            </a:r>
+            <a:r>
+              <a:rPr lang="en-US" dirty="0"/>
+              <a:t>(</a:t>
+            </a:r>
+            <a:r>
+              <a:rPr lang="en-US" dirty="0" err="1"/>
+              <a:t>int</a:t>
+            </a:r>
+            <a:r>
+              <a:rPr lang="en-US" dirty="0"/>
+              <a:t> </a:t>
+            </a:r>
+            <a:r>
+              <a:rPr lang="en-US" dirty="0" err="1"/>
+              <a:t>pathId</a:t>
+            </a:r>
+            <a:r>
+              <a:rPr lang="en-US" dirty="0"/>
+              <a:t>, </a:t>
+            </a:r>
+            <a:r>
+              <a:rPr lang="en-US" dirty="0" err="1"/>
+              <a:t>boolean</a:t>
+            </a:r>
+            <a:r>
+              <a:rPr lang="en-US" dirty="0"/>
+              <a:t> predicate</a:t>
+            </a:r>
+            <a:r>
+              <a:rPr lang="en-US" dirty="0" smtClean="0"/>
+              <a:t>)</a:t>
+            </a:r>
+            <a:endParaRPr lang="en-US" dirty="0"/>
+          </a:p>
+          <a:p>
+            <a:r>
+              <a:rPr lang="en-US" dirty="0" smtClean="0"/>
+              <a:t>The function can be inserted throughout the code under test</a:t>
+            </a:r>
+            <a:endParaRPr lang="en-US" dirty="0"/>
+          </a:p>
+          <a:p>
+            <a:r>
+              <a:rPr lang="en-US" dirty="0" smtClean="0"/>
+              <a:t>CATG </a:t>
+            </a:r>
+            <a:r>
+              <a:rPr lang="en-US" dirty="0"/>
+              <a:t>will try to take paths such that "predicate" passed as second argument of any </a:t>
+            </a:r>
+            <a:r>
+              <a:rPr lang="en-US" dirty="0" err="1"/>
+              <a:t>assertIfPossible</a:t>
+            </a:r>
+            <a:r>
+              <a:rPr lang="en-US" dirty="0"/>
+              <a:t> along the path evaluates to true.  </a:t>
+            </a:r>
+            <a:endParaRPr lang="en-US" dirty="0" smtClean="0"/>
+          </a:p>
+          <a:p>
+            <a:r>
+              <a:rPr lang="en-US" dirty="0" err="1" smtClean="0"/>
+              <a:t>assertIfPossibles</a:t>
+            </a:r>
+            <a:r>
+              <a:rPr lang="en-US" dirty="0" smtClean="0"/>
+              <a:t> </a:t>
+            </a:r>
+            <a:r>
+              <a:rPr lang="en-US" dirty="0"/>
+              <a:t>whose "</a:t>
+            </a:r>
+            <a:r>
+              <a:rPr lang="en-US" dirty="0" err="1"/>
+              <a:t>pathId"s</a:t>
+            </a:r>
+            <a:r>
+              <a:rPr lang="en-US" dirty="0"/>
+              <a:t> are not equal to </a:t>
+            </a:r>
+            <a:r>
+              <a:rPr lang="en-US" dirty="0" err="1"/>
+              <a:t>catg.pathId</a:t>
+            </a:r>
+            <a:r>
+              <a:rPr lang="en-US" dirty="0"/>
+              <a:t> in </a:t>
+            </a:r>
+            <a:r>
+              <a:rPr lang="en-US" dirty="0" err="1"/>
+              <a:t>catg.conf</a:t>
+            </a:r>
+            <a:r>
+              <a:rPr lang="en-US" dirty="0"/>
+              <a:t> are ignored along the </a:t>
+            </a:r>
+            <a:r>
+              <a:rPr lang="en-US" dirty="0" smtClean="0"/>
+              <a:t>path</a:t>
+            </a:r>
+          </a:p>
+          <a:p>
+            <a:pPr lvl="1"/>
+            <a:r>
+              <a:rPr lang="en-US" dirty="0" smtClean="0"/>
+              <a:t>Enables to insert different sets of independent annotations</a:t>
+            </a:r>
+          </a:p>
+          <a:p>
+            <a:pPr lvl="1"/>
+            <a:r>
+              <a:rPr lang="en-US" dirty="0" smtClean="0"/>
+              <a:t>A set of annotations with common “</a:t>
+            </a:r>
+            <a:r>
+              <a:rPr lang="en-US" dirty="0" err="1" smtClean="0"/>
+              <a:t>pathId</a:t>
+            </a:r>
+            <a:r>
+              <a:rPr lang="en-US" dirty="0" smtClean="0"/>
+              <a:t>” can be activated by setting  </a:t>
+            </a:r>
+            <a:r>
+              <a:rPr lang="en-US" dirty="0" err="1" smtClean="0"/>
+              <a:t>catg.pathId</a:t>
+            </a:r>
+            <a:r>
+              <a:rPr lang="en-US" dirty="0" smtClean="0"/>
+              <a:t> in </a:t>
+            </a:r>
+            <a:r>
+              <a:rPr lang="en-US" dirty="0" err="1" smtClean="0"/>
+              <a:t>catg.conf</a:t>
+            </a:r>
+            <a:endParaRPr lang="en-US" dirty="0" smtClean="0"/>
+          </a:p>
+          <a:p>
+            <a:r>
+              <a:rPr lang="en-US" dirty="0" smtClean="0"/>
+              <a:t>See </a:t>
+            </a:r>
+            <a:r>
+              <a:rPr lang="en-US" dirty="0" err="1" smtClean="0"/>
+              <a:t>src</a:t>
+            </a:r>
+            <a:r>
+              <a:rPr lang="en-US" dirty="0" smtClean="0"/>
+              <a:t>/tests/DTEST1 </a:t>
+            </a:r>
+            <a:r>
+              <a:rPr lang="en-US" dirty="0"/>
+              <a:t>and </a:t>
+            </a:r>
+            <a:r>
+              <a:rPr lang="en-US" dirty="0" err="1" smtClean="0"/>
+              <a:t>src</a:t>
+            </a:r>
+            <a:r>
+              <a:rPr lang="en-US" dirty="0" smtClean="0"/>
+              <a:t>/tests/</a:t>
+            </a:r>
+            <a:r>
+              <a:rPr lang="en-US" dirty="0" err="1" smtClean="0"/>
+              <a:t>ManyColumnsOrRecords</a:t>
+            </a:r>
+            <a:r>
+              <a:rPr lang="en-US" dirty="0" smtClean="0"/>
+              <a:t> </a:t>
+            </a:r>
+            <a:r>
+              <a:rPr lang="en-US" dirty="0"/>
+              <a:t>for examples.   </a:t>
+            </a:r>
+            <a:endParaRPr lang="en-US" dirty="0" smtClean="0"/>
+          </a:p>
+          <a:p>
+            <a:r>
+              <a:rPr lang="en-US" dirty="0" smtClean="0"/>
+              <a:t>Usually</a:t>
+            </a:r>
+            <a:r>
+              <a:rPr lang="en-US" dirty="0"/>
+              <a:t>, before returning "ret" from any where clause, you can insert </a:t>
+            </a:r>
+            <a:r>
+              <a:rPr lang="en-US" dirty="0" err="1"/>
+              <a:t>CATG.assertIfPossible</a:t>
+            </a:r>
+            <a:r>
+              <a:rPr lang="en-US" dirty="0"/>
+              <a:t>(1,ret).  This will force Where clause to return true.</a:t>
+            </a:r>
+            <a:endParaRPr lang="en-US" dirty="0"/>
+          </a:p>
+        </p:txBody>
+      </p:sp>
+    </p:spTree>
+    <p:extLst>
+      <p:ext uri="{BB962C8B-B14F-4D97-AF65-F5344CB8AC3E}">
+        <p14:creationId xmlns:p14="http://schemas.microsoft.com/office/powerpoint/2010/main" val="1765202124"/>
+      </p:ext>
+    </p:extLst>
+  </p:cSld>
+  <p:clrMapOvr>
+    <a:masterClrMapping/>
+  </p:clrMapOvr>
+</p:sld>
+</file>
+
+<file path=ppt/slides/slide9.xml><?xml version="1.0" encoding="utf-8"?>
+<p:sld xmlns:a="http://schemas.openxmlformats.org/drawingml/2006/main" xmlns:r="http://schemas.openxmlformats.org/officeDocument/2006/relationships" xmlns:p="http://schemas.openxmlformats.org/presentationml/2006/main">
+  <p:cSld>
+    <p:spTree>
+      <p:nvGrpSpPr>
+        <p:cNvPr id="1" name=""/>
+        <p:cNvGrpSpPr/>
+        <p:nvPr/>
+      </p:nvGrpSpPr>
+      <p:grpSpPr>
+        <a:xfrm>
+          <a:off x="0" y="0"/>
+          <a:ext cx="0" cy="0"/>
+          <a:chOff x="0" y="0"/>
+          <a:chExt cx="0" cy="0"/>
+        </a:xfrm>
+      </p:grpSpPr>
+      <p:sp>
+        <p:nvSpPr>
+          <p:cNvPr id="2" name="Title 1"/>
+          <p:cNvSpPr>
+            <a:spLocks noGrp="1"/>
+          </p:cNvSpPr>
+          <p:nvPr>
+            <p:ph type="title"/>
+          </p:nvPr>
+        </p:nvSpPr>
+        <p:spPr/>
+        <p:txBody>
+          <a:bodyPr>
+            <a:normAutofit/>
+          </a:bodyPr>
+          <a:lstStyle/>
+          <a:p>
+            <a:r>
+              <a:rPr lang="en-US" dirty="0" err="1" smtClean="0"/>
+              <a:t>assertIfPossible</a:t>
+            </a:r>
+            <a:r>
+              <a:rPr lang="en-US" dirty="0" smtClean="0"/>
+              <a:t>: Example</a:t>
+            </a:r>
+            <a:endParaRPr lang="en-US" dirty="0"/>
+          </a:p>
+        </p:txBody>
+      </p:sp>
+      <p:sp>
+        <p:nvSpPr>
+          <p:cNvPr id="5" name="Content Placeholder 4"/>
+          <p:cNvSpPr>
+            <a:spLocks noGrp="1"/>
+          </p:cNvSpPr>
+          <p:nvPr>
+            <p:ph sz="half" idx="1"/>
+          </p:nvPr>
+        </p:nvSpPr>
+        <p:spPr/>
+        <p:txBody>
+          <a:bodyPr>
+            <a:normAutofit fontScale="32500" lnSpcReduction="20000"/>
+          </a:bodyPr>
+          <a:lstStyle/>
+          <a:p>
+            <a:pPr marL="0" indent="0">
+              <a:buNone/>
+            </a:pPr>
+            <a:r>
+              <a:rPr lang="en-US" dirty="0"/>
+              <a:t>public class </a:t>
+            </a:r>
+            <a:r>
+              <a:rPr lang="en-US" dirty="0" err="1" smtClean="0"/>
+              <a:t>AssertIfPossibleTest</a:t>
+            </a:r>
+            <a:r>
+              <a:rPr lang="en-US" dirty="0" smtClean="0"/>
+              <a:t> </a:t>
+            </a:r>
+            <a:r>
+              <a:rPr lang="en-US" dirty="0"/>
+              <a:t>{</a:t>
+            </a:r>
+          </a:p>
+          <a:p>
+            <a:pPr marL="0" indent="0">
+              <a:buNone/>
+            </a:pPr>
+            <a:r>
+              <a:rPr lang="en-US" dirty="0"/>
+              <a:t>    public static </a:t>
+            </a:r>
+            <a:r>
+              <a:rPr lang="en-US" dirty="0" err="1"/>
+              <a:t>boolean</a:t>
+            </a:r>
+            <a:r>
+              <a:rPr lang="en-US" dirty="0"/>
+              <a:t> foo(){</a:t>
+            </a:r>
+          </a:p>
+          <a:p>
+            <a:pPr marL="0" indent="0">
+              <a:buNone/>
+            </a:pPr>
+            <a:r>
+              <a:rPr lang="en-US" dirty="0"/>
+              <a:t>        </a:t>
+            </a:r>
+            <a:r>
+              <a:rPr lang="en-US" dirty="0" err="1"/>
+              <a:t>boolean</a:t>
+            </a:r>
+            <a:r>
+              <a:rPr lang="en-US" dirty="0"/>
+              <a:t> ret;</a:t>
+            </a:r>
+          </a:p>
+          <a:p>
+            <a:pPr marL="0" indent="0">
+              <a:buNone/>
+            </a:pPr>
+            <a:r>
+              <a:rPr lang="en-US" dirty="0"/>
+              <a:t>        </a:t>
+            </a:r>
+            <a:r>
+              <a:rPr lang="en-US" dirty="0" err="1"/>
+              <a:t>int</a:t>
+            </a:r>
+            <a:r>
+              <a:rPr lang="en-US" dirty="0"/>
+              <a:t> x = </a:t>
+            </a:r>
+            <a:r>
+              <a:rPr lang="en-US" dirty="0" err="1"/>
+              <a:t>CATG.readInt</a:t>
+            </a:r>
+            <a:r>
+              <a:rPr lang="en-US" dirty="0"/>
+              <a:t>(0);</a:t>
+            </a:r>
+          </a:p>
+          <a:p>
+            <a:pPr marL="0" indent="0">
+              <a:buNone/>
+            </a:pPr>
+            <a:r>
+              <a:rPr lang="en-US" dirty="0"/>
+              <a:t>        </a:t>
+            </a:r>
+            <a:r>
+              <a:rPr lang="en-US" dirty="0" err="1"/>
+              <a:t>int</a:t>
+            </a:r>
+            <a:r>
+              <a:rPr lang="en-US" dirty="0"/>
+              <a:t> y = </a:t>
+            </a:r>
+            <a:r>
+              <a:rPr lang="en-US" dirty="0" err="1"/>
+              <a:t>CATG.readInt</a:t>
+            </a:r>
+            <a:r>
+              <a:rPr lang="en-US" dirty="0"/>
+              <a:t>(</a:t>
+            </a:r>
+            <a:r>
+              <a:rPr lang="en-US" dirty="0" smtClean="0"/>
+              <a:t>0);</a:t>
+            </a:r>
+          </a:p>
+          <a:p>
+            <a:pPr marL="0" indent="0">
+              <a:buNone/>
+            </a:pPr>
+            <a:r>
+              <a:rPr lang="en-US" dirty="0"/>
+              <a:t> </a:t>
+            </a:r>
+            <a:r>
+              <a:rPr lang="en-US" dirty="0" smtClean="0"/>
+              <a:t>       if </a:t>
+            </a:r>
+            <a:r>
+              <a:rPr lang="en-US" dirty="0"/>
+              <a:t>(x == 100 &amp;&amp; y == 200) {</a:t>
+            </a:r>
+          </a:p>
+          <a:p>
+            <a:pPr marL="0" indent="0">
+              <a:buNone/>
+            </a:pPr>
+            <a:r>
+              <a:rPr lang="en-US" dirty="0"/>
+              <a:t>            ret = true;</a:t>
+            </a:r>
+          </a:p>
+          <a:p>
+            <a:pPr marL="0" indent="0">
+              <a:buNone/>
+            </a:pPr>
+            <a:r>
+              <a:rPr lang="en-US" dirty="0"/>
+              <a:t>        } else {</a:t>
+            </a:r>
+          </a:p>
+          <a:p>
+            <a:pPr marL="0" indent="0">
+              <a:buNone/>
+            </a:pPr>
+            <a:r>
+              <a:rPr lang="en-US" dirty="0"/>
+              <a:t>            ret = false;</a:t>
+            </a:r>
+          </a:p>
+          <a:p>
+            <a:pPr marL="0" indent="0">
+              <a:buNone/>
+            </a:pPr>
+            <a:r>
+              <a:rPr lang="en-US" dirty="0"/>
+              <a:t>        }</a:t>
+            </a:r>
+          </a:p>
+          <a:p>
+            <a:pPr marL="0" indent="0">
+              <a:buNone/>
+            </a:pPr>
+            <a:r>
+              <a:rPr lang="en-US" dirty="0">
+                <a:solidFill>
+                  <a:srgbClr val="FF0000"/>
+                </a:solidFill>
+              </a:rPr>
+              <a:t>        </a:t>
+            </a:r>
+            <a:r>
+              <a:rPr lang="en-US" dirty="0" err="1">
+                <a:solidFill>
+                  <a:srgbClr val="FF0000"/>
+                </a:solidFill>
+              </a:rPr>
+              <a:t>CATG.assertIfPossible</a:t>
+            </a:r>
+            <a:r>
+              <a:rPr lang="en-US" dirty="0">
+                <a:solidFill>
+                  <a:srgbClr val="FF0000"/>
+                </a:solidFill>
+              </a:rPr>
+              <a:t>(1, ret);</a:t>
+            </a:r>
+          </a:p>
+          <a:p>
+            <a:pPr marL="0" indent="0">
+              <a:buNone/>
+            </a:pPr>
+            <a:r>
+              <a:rPr lang="en-US" dirty="0" smtClean="0"/>
+              <a:t>        return </a:t>
+            </a:r>
+            <a:r>
+              <a:rPr lang="en-US" dirty="0"/>
+              <a:t>ret;</a:t>
+            </a:r>
+          </a:p>
+          <a:p>
+            <a:pPr marL="0" indent="0">
+              <a:buNone/>
+            </a:pPr>
+            <a:r>
+              <a:rPr lang="en-US" dirty="0"/>
+              <a:t>    }</a:t>
+            </a:r>
+          </a:p>
+          <a:p>
+            <a:pPr marL="0" indent="0">
+              <a:buNone/>
+            </a:pPr>
+            <a:endParaRPr lang="en-US" dirty="0"/>
+          </a:p>
+          <a:p>
+            <a:pPr marL="0" indent="0">
+              <a:buNone/>
+            </a:pPr>
+            <a:r>
+              <a:rPr lang="en-US" dirty="0"/>
+              <a:t>    public static void main(String[] </a:t>
+            </a:r>
+            <a:r>
+              <a:rPr lang="en-US" dirty="0" err="1"/>
+              <a:t>args</a:t>
+            </a:r>
+            <a:r>
+              <a:rPr lang="en-US" dirty="0"/>
+              <a:t>){</a:t>
+            </a:r>
+          </a:p>
+          <a:p>
+            <a:pPr marL="0" indent="0">
+              <a:buNone/>
+            </a:pPr>
+            <a:r>
+              <a:rPr lang="en-US" dirty="0"/>
+              <a:t>        </a:t>
+            </a:r>
+            <a:r>
+              <a:rPr lang="en-US" dirty="0" err="1"/>
+              <a:t>int</a:t>
+            </a:r>
+            <a:r>
+              <a:rPr lang="en-US" dirty="0"/>
+              <a:t> sum = 0;</a:t>
+            </a:r>
+          </a:p>
+          <a:p>
+            <a:pPr marL="0" indent="0">
+              <a:buNone/>
+            </a:pPr>
+            <a:endParaRPr lang="en-US" dirty="0"/>
+          </a:p>
+          <a:p>
+            <a:pPr marL="0" indent="0">
+              <a:buNone/>
+            </a:pPr>
+            <a:r>
+              <a:rPr lang="en-US" dirty="0"/>
+              <a:t>        if (foo()) sum++;</a:t>
+            </a:r>
+          </a:p>
+          <a:p>
+            <a:pPr marL="0" indent="0">
+              <a:buNone/>
+            </a:pPr>
+            <a:r>
+              <a:rPr lang="en-US" dirty="0"/>
+              <a:t>        if (foo()) sum++;</a:t>
+            </a:r>
+          </a:p>
+          <a:p>
+            <a:pPr marL="0" indent="0">
+              <a:buNone/>
+            </a:pPr>
+            <a:r>
+              <a:rPr lang="en-US" dirty="0"/>
+              <a:t>        if (foo()) sum++;</a:t>
+            </a:r>
+          </a:p>
+          <a:p>
+            <a:pPr marL="0" indent="0">
+              <a:buNone/>
+            </a:pPr>
+            <a:r>
+              <a:rPr lang="en-US" dirty="0"/>
+              <a:t>        if (foo()) sum++;</a:t>
+            </a:r>
+          </a:p>
+          <a:p>
+            <a:pPr marL="0" indent="0">
+              <a:buNone/>
+            </a:pPr>
+            <a:endParaRPr lang="en-US" dirty="0"/>
+          </a:p>
+          <a:p>
+            <a:pPr marL="0" indent="0">
+              <a:buNone/>
+            </a:pPr>
+            <a:r>
+              <a:rPr lang="en-US" dirty="0" smtClean="0"/>
+              <a:t>        if </a:t>
+            </a:r>
+            <a:r>
+              <a:rPr lang="en-US" dirty="0"/>
+              <a:t>(sum &gt; 2) {</a:t>
+            </a:r>
+          </a:p>
+          <a:p>
+            <a:pPr marL="0" indent="0">
+              <a:buNone/>
+            </a:pPr>
+            <a:r>
+              <a:rPr lang="en-US" dirty="0"/>
+              <a:t>            </a:t>
+            </a:r>
+            <a:r>
+              <a:rPr lang="en-US" dirty="0" err="1"/>
+              <a:t>System.out.println</a:t>
+            </a:r>
+            <a:r>
+              <a:rPr lang="en-US" dirty="0"/>
+              <a:t>("sum &gt; 2");</a:t>
+            </a:r>
+          </a:p>
+          <a:p>
+            <a:pPr marL="0" indent="0">
+              <a:buNone/>
+            </a:pPr>
+            <a:r>
+              <a:rPr lang="en-US" dirty="0"/>
+              <a:t>        } else {</a:t>
+            </a:r>
+          </a:p>
+          <a:p>
+            <a:pPr marL="0" indent="0">
+              <a:buNone/>
+            </a:pPr>
+            <a:r>
+              <a:rPr lang="en-US" dirty="0"/>
+              <a:t>            </a:t>
+            </a:r>
+            <a:r>
+              <a:rPr lang="en-US" dirty="0" err="1"/>
+              <a:t>System.out.println</a:t>
+            </a:r>
+            <a:r>
+              <a:rPr lang="en-US" dirty="0"/>
+              <a:t>("sum &lt; 2");</a:t>
+            </a:r>
+          </a:p>
+          <a:p>
+            <a:pPr marL="0" indent="0">
+              <a:buNone/>
+            </a:pPr>
+            <a:r>
+              <a:rPr lang="en-US" dirty="0"/>
+              <a:t>        }</a:t>
+            </a:r>
+          </a:p>
+          <a:p>
+            <a:pPr marL="0" indent="0">
+              <a:buNone/>
+            </a:pPr>
+            <a:r>
+              <a:rPr lang="en-US" dirty="0"/>
+              <a:t>    }</a:t>
+            </a:r>
+          </a:p>
+          <a:p>
+            <a:pPr marL="0" indent="0">
+              <a:buNone/>
+            </a:pPr>
+            <a:r>
+              <a:rPr lang="en-US" dirty="0"/>
+              <a:t>}</a:t>
+            </a:r>
+          </a:p>
+          <a:p>
+            <a:pPr marL="0" indent="0">
+              <a:buNone/>
+            </a:pPr>
+            <a:endParaRPr lang="en-US" dirty="0"/>
+          </a:p>
+        </p:txBody>
+      </p:sp>
+      <p:sp>
+        <p:nvSpPr>
+          <p:cNvPr id="6" name="Content Placeholder 5"/>
+          <p:cNvSpPr>
+            <a:spLocks noGrp="1"/>
+          </p:cNvSpPr>
+          <p:nvPr>
+            <p:ph sz="half" idx="2"/>
+          </p:nvPr>
+        </p:nvSpPr>
+        <p:spPr/>
+        <p:txBody>
+          <a:bodyPr/>
+          <a:lstStyle/>
+          <a:p>
+            <a:r>
+              <a:rPr lang="en-US" dirty="0" smtClean="0"/>
+              <a:t>Simple </a:t>
+            </a:r>
+            <a:r>
+              <a:rPr lang="en-US" dirty="0" err="1" smtClean="0"/>
+              <a:t>concolic</a:t>
+            </a:r>
+            <a:r>
+              <a:rPr lang="en-US" dirty="0" smtClean="0"/>
+              <a:t> testing explores </a:t>
+            </a:r>
+            <a:r>
+              <a:rPr lang="en-US" dirty="0" smtClean="0">
+                <a:latin typeface="Calibri"/>
+              </a:rPr>
+              <a:t>3</a:t>
+            </a:r>
+            <a:r>
+              <a:rPr lang="en-US" baseline="30000" dirty="0" smtClean="0">
+                <a:latin typeface="Calibri"/>
+              </a:rPr>
+              <a:t>4</a:t>
+            </a:r>
+            <a:r>
+              <a:rPr lang="en-US" dirty="0" smtClean="0"/>
+              <a:t> = 81 paths</a:t>
+            </a:r>
+          </a:p>
+          <a:p>
+            <a:pPr lvl="1"/>
+            <a:r>
+              <a:rPr lang="en-US" dirty="0" smtClean="0"/>
+              <a:t>foo has 3 paths</a:t>
+            </a:r>
+          </a:p>
+          <a:p>
+            <a:pPr lvl="1"/>
+            <a:r>
+              <a:rPr lang="en-US" dirty="0" smtClean="0"/>
+              <a:t>foo is called 4 times</a:t>
+            </a:r>
+          </a:p>
+          <a:p>
+            <a:pPr lvl="1"/>
+            <a:r>
+              <a:rPr lang="en-US" dirty="0" smtClean="0"/>
+              <a:t>exponential blow-up</a:t>
+            </a:r>
+          </a:p>
+          <a:p>
+            <a:r>
+              <a:rPr lang="en-US" dirty="0" smtClean="0"/>
+              <a:t>Single control annotation explores 9 paths</a:t>
+            </a:r>
+          </a:p>
+          <a:p>
+            <a:pPr lvl="1"/>
+            <a:r>
+              <a:rPr lang="en-US" dirty="0" smtClean="0"/>
+              <a:t>1 + 4*(3-1)</a:t>
+            </a:r>
+            <a:endParaRPr lang="en-US" dirty="0"/>
+          </a:p>
+        </p:txBody>
+      </p:sp>
+    </p:spTree>
+    <p:extLst>
+      <p:ext uri="{BB962C8B-B14F-4D97-AF65-F5344CB8AC3E}">
+        <p14:creationId xmlns:p14="http://schemas.microsoft.com/office/powerpoint/2010/main" val="4219407025"/>
       </p:ext>
     </p:extLst>
   </p:cSld>

--- a/janala.pptx
+++ b/janala.pptx
@@ -18,6 +18,10 @@
     <p:sldId id="266" r:id="rId12"/>
     <p:sldId id="267" r:id="rId13"/>
     <p:sldId id="268" r:id="rId14"/>
+    <p:sldId id="269" r:id="rId15"/>
+    <p:sldId id="270" r:id="rId16"/>
+    <p:sldId id="271" r:id="rId17"/>
+    <p:sldId id="272" r:id="rId18"/>
   </p:sldIdLst>
   <p:sldSz cx="9144000" cy="6858000" type="screen4x3"/>
   <p:notesSz cx="6858000" cy="9144000"/>
@@ -300,7 +304,7 @@
           <a:p>
             <a:fld id="{AE8DA00F-06BA-5B45-B076-7DB8B868C6E5}" type="datetimeFigureOut">
               <a:rPr lang="en-US" smtClean="0"/>
-              <a:t>12/15/13</a:t>
+              <a:t>3/14/14</a:t>
             </a:fld>
             <a:endParaRPr lang="en-US"/>
           </a:p>
@@ -470,7 +474,7 @@
           <a:p>
             <a:fld id="{AE8DA00F-06BA-5B45-B076-7DB8B868C6E5}" type="datetimeFigureOut">
               <a:rPr lang="en-US" smtClean="0"/>
-              <a:t>12/15/13</a:t>
+              <a:t>3/14/14</a:t>
             </a:fld>
             <a:endParaRPr lang="en-US"/>
           </a:p>
@@ -650,7 +654,7 @@
           <a:p>
             <a:fld id="{AE8DA00F-06BA-5B45-B076-7DB8B868C6E5}" type="datetimeFigureOut">
               <a:rPr lang="en-US" smtClean="0"/>
-              <a:t>12/15/13</a:t>
+              <a:t>3/14/14</a:t>
             </a:fld>
             <a:endParaRPr lang="en-US"/>
           </a:p>
@@ -820,7 +824,7 @@
           <a:p>
             <a:fld id="{AE8DA00F-06BA-5B45-B076-7DB8B868C6E5}" type="datetimeFigureOut">
               <a:rPr lang="en-US" smtClean="0"/>
-              <a:t>12/15/13</a:t>
+              <a:t>3/14/14</a:t>
             </a:fld>
             <a:endParaRPr lang="en-US"/>
           </a:p>
@@ -1066,7 +1070,7 @@
           <a:p>
             <a:fld id="{AE8DA00F-06BA-5B45-B076-7DB8B868C6E5}" type="datetimeFigureOut">
               <a:rPr lang="en-US" smtClean="0"/>
-              <a:t>12/15/13</a:t>
+              <a:t>3/14/14</a:t>
             </a:fld>
             <a:endParaRPr lang="en-US"/>
           </a:p>
@@ -1354,7 +1358,7 @@
           <a:p>
             <a:fld id="{AE8DA00F-06BA-5B45-B076-7DB8B868C6E5}" type="datetimeFigureOut">
               <a:rPr lang="en-US" smtClean="0"/>
-              <a:t>12/15/13</a:t>
+              <a:t>3/14/14</a:t>
             </a:fld>
             <a:endParaRPr lang="en-US"/>
           </a:p>
@@ -1776,7 +1780,7 @@
           <a:p>
             <a:fld id="{AE8DA00F-06BA-5B45-B076-7DB8B868C6E5}" type="datetimeFigureOut">
               <a:rPr lang="en-US" smtClean="0"/>
-              <a:t>12/15/13</a:t>
+              <a:t>3/14/14</a:t>
             </a:fld>
             <a:endParaRPr lang="en-US"/>
           </a:p>
@@ -1894,7 +1898,7 @@
           <a:p>
             <a:fld id="{AE8DA00F-06BA-5B45-B076-7DB8B868C6E5}" type="datetimeFigureOut">
               <a:rPr lang="en-US" smtClean="0"/>
-              <a:t>12/15/13</a:t>
+              <a:t>3/14/14</a:t>
             </a:fld>
             <a:endParaRPr lang="en-US"/>
           </a:p>
@@ -1989,7 +1993,7 @@
           <a:p>
             <a:fld id="{AE8DA00F-06BA-5B45-B076-7DB8B868C6E5}" type="datetimeFigureOut">
               <a:rPr lang="en-US" smtClean="0"/>
-              <a:t>12/15/13</a:t>
+              <a:t>3/14/14</a:t>
             </a:fld>
             <a:endParaRPr lang="en-US"/>
           </a:p>
@@ -2266,7 +2270,7 @@
           <a:p>
             <a:fld id="{AE8DA00F-06BA-5B45-B076-7DB8B868C6E5}" type="datetimeFigureOut">
               <a:rPr lang="en-US" smtClean="0"/>
-              <a:t>12/15/13</a:t>
+              <a:t>3/14/14</a:t>
             </a:fld>
             <a:endParaRPr lang="en-US"/>
           </a:p>
@@ -2519,7 +2523,7 @@
           <a:p>
             <a:fld id="{AE8DA00F-06BA-5B45-B076-7DB8B868C6E5}" type="datetimeFigureOut">
               <a:rPr lang="en-US" smtClean="0"/>
-              <a:t>12/15/13</a:t>
+              <a:t>3/14/14</a:t>
             </a:fld>
             <a:endParaRPr lang="en-US"/>
           </a:p>
@@ -2732,7 +2736,7 @@
           <a:p>
             <a:fld id="{AE8DA00F-06BA-5B45-B076-7DB8B868C6E5}" type="datetimeFigureOut">
               <a:rPr lang="en-US" smtClean="0"/>
-              <a:t>12/15/13</a:t>
+              <a:t>3/14/14</a:t>
             </a:fld>
             <a:endParaRPr lang="en-US"/>
           </a:p>
@@ -3576,7 +3580,6 @@
               <a:rPr lang="en-US" dirty="0"/>
               <a:t>/tests/ManyColumnsRecords2.java</a:t>
             </a:r>
-            <a:endParaRPr lang="en-US" dirty="0"/>
           </a:p>
         </p:txBody>
       </p:sp>
@@ -4848,6 +4851,494 @@
     <p:extLst>
       <p:ext uri="{BB962C8B-B14F-4D97-AF65-F5344CB8AC3E}">
         <p14:creationId xmlns:p14="http://schemas.microsoft.com/office/powerpoint/2010/main" val="2283590571"/>
+      </p:ext>
+    </p:extLst>
+  </p:cSld>
+  <p:clrMapOvr>
+    <a:masterClrMapping/>
+  </p:clrMapOvr>
+</p:sld>
+</file>
+
+<file path=ppt/slides/slide14.xml><?xml version="1.0" encoding="utf-8"?>
+<p:sld xmlns:a="http://schemas.openxmlformats.org/drawingml/2006/main" xmlns:r="http://schemas.openxmlformats.org/officeDocument/2006/relationships" xmlns:p="http://schemas.openxmlformats.org/presentationml/2006/main">
+  <p:cSld>
+    <p:spTree>
+      <p:nvGrpSpPr>
+        <p:cNvPr id="1" name=""/>
+        <p:cNvGrpSpPr/>
+        <p:nvPr/>
+      </p:nvGrpSpPr>
+      <p:grpSpPr>
+        <a:xfrm>
+          <a:off x="0" y="0"/>
+          <a:ext cx="0" cy="0"/>
+          <a:chOff x="0" y="0"/>
+          <a:chExt cx="0" cy="0"/>
+        </a:xfrm>
+      </p:grpSpPr>
+      <p:sp>
+        <p:nvSpPr>
+          <p:cNvPr id="2" name="Title 1"/>
+          <p:cNvSpPr>
+            <a:spLocks noGrp="1"/>
+          </p:cNvSpPr>
+          <p:nvPr>
+            <p:ph type="title"/>
+          </p:nvPr>
+        </p:nvSpPr>
+        <p:spPr/>
+        <p:txBody>
+          <a:bodyPr>
+            <a:normAutofit fontScale="90000"/>
+          </a:bodyPr>
+          <a:lstStyle/>
+          <a:p>
+            <a:r>
+              <a:rPr lang="en-US" dirty="0" smtClean="0"/>
+              <a:t>Performance Improvement of CATG</a:t>
+            </a:r>
+            <a:endParaRPr lang="en-US" dirty="0"/>
+          </a:p>
+        </p:txBody>
+      </p:sp>
+      <p:sp>
+        <p:nvSpPr>
+          <p:cNvPr id="3" name="Content Placeholder 2"/>
+          <p:cNvSpPr>
+            <a:spLocks noGrp="1"/>
+          </p:cNvSpPr>
+          <p:nvPr>
+            <p:ph idx="1"/>
+          </p:nvPr>
+        </p:nvSpPr>
+        <p:spPr/>
+        <p:txBody>
+          <a:bodyPr>
+            <a:normAutofit fontScale="77500" lnSpcReduction="20000"/>
+          </a:bodyPr>
+          <a:lstStyle/>
+          <a:p>
+            <a:r>
+              <a:rPr lang="en-US" dirty="0" smtClean="0"/>
+              <a:t>Improved performance of CATG by at least 2X</a:t>
+            </a:r>
+          </a:p>
+          <a:p>
+            <a:pPr lvl="1"/>
+            <a:r>
+              <a:rPr lang="en-US" dirty="0" smtClean="0"/>
+              <a:t>Previously each test generation execution of CATG had two phases</a:t>
+            </a:r>
+          </a:p>
+          <a:p>
+            <a:pPr lvl="2"/>
+            <a:r>
+              <a:rPr lang="en-US" dirty="0" smtClean="0"/>
+              <a:t>Recording of all instructions executed on a concrete test input</a:t>
+            </a:r>
+          </a:p>
+          <a:p>
+            <a:pPr lvl="2"/>
+            <a:r>
+              <a:rPr lang="en-US" dirty="0" smtClean="0"/>
+              <a:t>Replay and reinterpret logged instructions in a second execution</a:t>
+            </a:r>
+          </a:p>
+          <a:p>
+            <a:pPr lvl="2"/>
+            <a:r>
+              <a:rPr lang="en-US" dirty="0" smtClean="0"/>
+              <a:t>This was done because certain class information were not available during recording</a:t>
+            </a:r>
+          </a:p>
+          <a:p>
+            <a:pPr lvl="1"/>
+            <a:r>
+              <a:rPr lang="en-US" dirty="0" smtClean="0"/>
+              <a:t>CATG now generates a test input in a single phase</a:t>
+            </a:r>
+          </a:p>
+          <a:p>
+            <a:pPr lvl="2"/>
+            <a:r>
+              <a:rPr lang="en-US" dirty="0" smtClean="0"/>
+              <a:t>No separate record and replay phases</a:t>
+            </a:r>
+          </a:p>
+          <a:p>
+            <a:pPr lvl="2"/>
+            <a:r>
+              <a:rPr lang="en-US" dirty="0" err="1" smtClean="0"/>
+              <a:t>Concolic</a:t>
+            </a:r>
+            <a:r>
+              <a:rPr lang="en-US" dirty="0" smtClean="0"/>
+              <a:t> testing takes place during normal execution of a program</a:t>
+            </a:r>
+          </a:p>
+          <a:p>
+            <a:pPr lvl="2"/>
+            <a:r>
+              <a:rPr lang="en-US" dirty="0" smtClean="0"/>
+              <a:t>Handled missing class information by modifying instrumentation and by populating class information on demand</a:t>
+            </a:r>
+          </a:p>
+          <a:p>
+            <a:pPr lvl="1"/>
+            <a:r>
+              <a:rPr lang="en-US" dirty="0" smtClean="0"/>
+              <a:t>Single phase </a:t>
+            </a:r>
+            <a:r>
+              <a:rPr lang="en-US" dirty="0" err="1" smtClean="0"/>
+              <a:t>concolic</a:t>
+            </a:r>
+            <a:r>
+              <a:rPr lang="en-US" dirty="0" smtClean="0"/>
+              <a:t> testing is necessary in future if we want to avoid restarting JVM for each test execution</a:t>
+            </a:r>
+          </a:p>
+          <a:p>
+            <a:pPr lvl="2"/>
+            <a:r>
+              <a:rPr lang="en-US" dirty="0" smtClean="0"/>
+              <a:t>Avoiding JVM restart should give another 5X-100X speedup</a:t>
+            </a:r>
+            <a:endParaRPr lang="en-US" dirty="0"/>
+          </a:p>
+        </p:txBody>
+      </p:sp>
+    </p:spTree>
+    <p:extLst>
+      <p:ext uri="{BB962C8B-B14F-4D97-AF65-F5344CB8AC3E}">
+        <p14:creationId xmlns:p14="http://schemas.microsoft.com/office/powerpoint/2010/main" val="2128180402"/>
+      </p:ext>
+    </p:extLst>
+  </p:cSld>
+  <p:clrMapOvr>
+    <a:masterClrMapping/>
+  </p:clrMapOvr>
+</p:sld>
+</file>
+
+<file path=ppt/slides/slide15.xml><?xml version="1.0" encoding="utf-8"?>
+<p:sld xmlns:a="http://schemas.openxmlformats.org/drawingml/2006/main" xmlns:r="http://schemas.openxmlformats.org/officeDocument/2006/relationships" xmlns:p="http://schemas.openxmlformats.org/presentationml/2006/main">
+  <p:cSld>
+    <p:spTree>
+      <p:nvGrpSpPr>
+        <p:cNvPr id="1" name=""/>
+        <p:cNvGrpSpPr/>
+        <p:nvPr/>
+      </p:nvGrpSpPr>
+      <p:grpSpPr>
+        <a:xfrm>
+          <a:off x="0" y="0"/>
+          <a:ext cx="0" cy="0"/>
+          <a:chOff x="0" y="0"/>
+          <a:chExt cx="0" cy="0"/>
+        </a:xfrm>
+      </p:grpSpPr>
+      <p:sp>
+        <p:nvSpPr>
+          <p:cNvPr id="2" name="Title 1"/>
+          <p:cNvSpPr>
+            <a:spLocks noGrp="1"/>
+          </p:cNvSpPr>
+          <p:nvPr>
+            <p:ph type="title"/>
+          </p:nvPr>
+        </p:nvSpPr>
+        <p:spPr/>
+        <p:txBody>
+          <a:bodyPr>
+            <a:normAutofit fontScale="90000"/>
+          </a:bodyPr>
+          <a:lstStyle/>
+          <a:p>
+            <a:r>
+              <a:rPr lang="en-US" dirty="0" smtClean="0"/>
+              <a:t>Handling “Branch Prediction Failure”</a:t>
+            </a:r>
+            <a:endParaRPr lang="en-US" dirty="0"/>
+          </a:p>
+        </p:txBody>
+      </p:sp>
+      <p:sp>
+        <p:nvSpPr>
+          <p:cNvPr id="3" name="Content Placeholder 2"/>
+          <p:cNvSpPr>
+            <a:spLocks noGrp="1"/>
+          </p:cNvSpPr>
+          <p:nvPr>
+            <p:ph idx="1"/>
+          </p:nvPr>
+        </p:nvSpPr>
+        <p:spPr/>
+        <p:txBody>
+          <a:bodyPr>
+            <a:normAutofit fontScale="85000" lnSpcReduction="20000"/>
+          </a:bodyPr>
+          <a:lstStyle/>
+          <a:p>
+            <a:r>
+              <a:rPr lang="en-US" dirty="0" smtClean="0"/>
+              <a:t>CATG used to restart the entire test generation process whenever there was a “branch prediction failure” warning, i.e. </a:t>
+            </a:r>
+            <a:r>
+              <a:rPr lang="en-US" dirty="0" err="1" smtClean="0"/>
+              <a:t>concolic</a:t>
+            </a:r>
+            <a:r>
+              <a:rPr lang="en-US" dirty="0" smtClean="0"/>
+              <a:t> testing is not taking the expected path on a generated input</a:t>
+            </a:r>
+          </a:p>
+          <a:p>
+            <a:r>
+              <a:rPr lang="en-US" dirty="0" smtClean="0"/>
+              <a:t>Created some adverse side-effects in data annotation</a:t>
+            </a:r>
+          </a:p>
+          <a:p>
+            <a:pPr lvl="1"/>
+            <a:r>
+              <a:rPr lang="en-US" dirty="0" smtClean="0"/>
+              <a:t>In data annotation, it is common to get “branch prediction failure” warning</a:t>
+            </a:r>
+          </a:p>
+          <a:p>
+            <a:r>
+              <a:rPr lang="en-US" dirty="0" smtClean="0"/>
+              <a:t>Modified CATG so that “branch prediction failure” state is handled properly</a:t>
+            </a:r>
+          </a:p>
+          <a:p>
+            <a:pPr lvl="1"/>
+            <a:r>
+              <a:rPr lang="en-US" dirty="0" smtClean="0"/>
+              <a:t>Backtrack to the parent branch instead of restart if a “branch prediction failure” happens at a branch</a:t>
+            </a:r>
+          </a:p>
+          <a:p>
+            <a:pPr lvl="1"/>
+            <a:r>
+              <a:rPr lang="en-US" dirty="0" smtClean="0"/>
+              <a:t>Data annotation should now work as expected</a:t>
+            </a:r>
+            <a:endParaRPr lang="en-US" dirty="0"/>
+          </a:p>
+        </p:txBody>
+      </p:sp>
+    </p:spTree>
+    <p:extLst>
+      <p:ext uri="{BB962C8B-B14F-4D97-AF65-F5344CB8AC3E}">
+        <p14:creationId xmlns:p14="http://schemas.microsoft.com/office/powerpoint/2010/main" val="2799436089"/>
+      </p:ext>
+    </p:extLst>
+  </p:cSld>
+  <p:clrMapOvr>
+    <a:masterClrMapping/>
+  </p:clrMapOvr>
+</p:sld>
+</file>
+
+<file path=ppt/slides/slide16.xml><?xml version="1.0" encoding="utf-8"?>
+<p:sld xmlns:a="http://schemas.openxmlformats.org/drawingml/2006/main" xmlns:r="http://schemas.openxmlformats.org/officeDocument/2006/relationships" xmlns:p="http://schemas.openxmlformats.org/presentationml/2006/main">
+  <p:cSld>
+    <p:spTree>
+      <p:nvGrpSpPr>
+        <p:cNvPr id="1" name=""/>
+        <p:cNvGrpSpPr/>
+        <p:nvPr/>
+      </p:nvGrpSpPr>
+      <p:grpSpPr>
+        <a:xfrm>
+          <a:off x="0" y="0"/>
+          <a:ext cx="0" cy="0"/>
+          <a:chOff x="0" y="0"/>
+          <a:chExt cx="0" cy="0"/>
+        </a:xfrm>
+      </p:grpSpPr>
+      <p:sp>
+        <p:nvSpPr>
+          <p:cNvPr id="2" name="Title 1"/>
+          <p:cNvSpPr>
+            <a:spLocks noGrp="1"/>
+          </p:cNvSpPr>
+          <p:nvPr>
+            <p:ph type="title"/>
+          </p:nvPr>
+        </p:nvSpPr>
+        <p:spPr/>
+        <p:txBody>
+          <a:bodyPr/>
+          <a:lstStyle/>
+          <a:p>
+            <a:r>
+              <a:rPr lang="en-US" dirty="0" smtClean="0"/>
+              <a:t>Python scripts for CATG</a:t>
+            </a:r>
+            <a:endParaRPr lang="en-US" dirty="0"/>
+          </a:p>
+        </p:txBody>
+      </p:sp>
+      <p:sp>
+        <p:nvSpPr>
+          <p:cNvPr id="3" name="Content Placeholder 2"/>
+          <p:cNvSpPr>
+            <a:spLocks noGrp="1"/>
+          </p:cNvSpPr>
+          <p:nvPr>
+            <p:ph idx="1"/>
+          </p:nvPr>
+        </p:nvSpPr>
+        <p:spPr/>
+        <p:txBody>
+          <a:bodyPr/>
+          <a:lstStyle/>
+          <a:p>
+            <a:r>
+              <a:rPr lang="en-US" dirty="0" smtClean="0"/>
+              <a:t>Replaced non-portable shell scripts of CATG with portable python scripts</a:t>
+            </a:r>
+          </a:p>
+          <a:p>
+            <a:r>
+              <a:rPr lang="en-US" dirty="0" smtClean="0"/>
+              <a:t>Python </a:t>
+            </a:r>
+            <a:r>
+              <a:rPr lang="en-US" dirty="0" err="1" smtClean="0"/>
+              <a:t>concolic.py</a:t>
+            </a:r>
+            <a:r>
+              <a:rPr lang="en-US" dirty="0" smtClean="0"/>
+              <a:t> gives the usage documentation of the script </a:t>
+            </a:r>
+            <a:endParaRPr lang="en-US" dirty="0"/>
+          </a:p>
+        </p:txBody>
+      </p:sp>
+    </p:spTree>
+    <p:extLst>
+      <p:ext uri="{BB962C8B-B14F-4D97-AF65-F5344CB8AC3E}">
+        <p14:creationId xmlns:p14="http://schemas.microsoft.com/office/powerpoint/2010/main" val="2976351886"/>
+      </p:ext>
+    </p:extLst>
+  </p:cSld>
+  <p:clrMapOvr>
+    <a:masterClrMapping/>
+  </p:clrMapOvr>
+</p:sld>
+</file>
+
+<file path=ppt/slides/slide17.xml><?xml version="1.0" encoding="utf-8"?>
+<p:sld xmlns:a="http://schemas.openxmlformats.org/drawingml/2006/main" xmlns:r="http://schemas.openxmlformats.org/officeDocument/2006/relationships" xmlns:p="http://schemas.openxmlformats.org/presentationml/2006/main">
+  <p:cSld>
+    <p:spTree>
+      <p:nvGrpSpPr>
+        <p:cNvPr id="1" name=""/>
+        <p:cNvGrpSpPr/>
+        <p:nvPr/>
+      </p:nvGrpSpPr>
+      <p:grpSpPr>
+        <a:xfrm>
+          <a:off x="0" y="0"/>
+          <a:ext cx="0" cy="0"/>
+          <a:chOff x="0" y="0"/>
+          <a:chExt cx="0" cy="0"/>
+        </a:xfrm>
+      </p:grpSpPr>
+      <p:sp>
+        <p:nvSpPr>
+          <p:cNvPr id="2" name="Title 1"/>
+          <p:cNvSpPr>
+            <a:spLocks noGrp="1"/>
+          </p:cNvSpPr>
+          <p:nvPr>
+            <p:ph type="title"/>
+          </p:nvPr>
+        </p:nvSpPr>
+        <p:spPr/>
+        <p:txBody>
+          <a:bodyPr/>
+          <a:lstStyle/>
+          <a:p>
+            <a:r>
+              <a:rPr lang="en-US" dirty="0" smtClean="0"/>
+              <a:t>Future Work	</a:t>
+            </a:r>
+            <a:endParaRPr lang="en-US" dirty="0"/>
+          </a:p>
+        </p:txBody>
+      </p:sp>
+      <p:sp>
+        <p:nvSpPr>
+          <p:cNvPr id="3" name="Content Placeholder 2"/>
+          <p:cNvSpPr>
+            <a:spLocks noGrp="1"/>
+          </p:cNvSpPr>
+          <p:nvPr>
+            <p:ph idx="1"/>
+          </p:nvPr>
+        </p:nvSpPr>
+        <p:spPr/>
+        <p:txBody>
+          <a:bodyPr>
+            <a:normAutofit lnSpcReduction="10000"/>
+          </a:bodyPr>
+          <a:lstStyle/>
+          <a:p>
+            <a:r>
+              <a:rPr lang="en-US" dirty="0" smtClean="0"/>
+              <a:t>Improve </a:t>
+            </a:r>
+            <a:r>
+              <a:rPr lang="en-US" dirty="0"/>
+              <a:t>data annotation to handle cases where value passed to a </a:t>
+            </a:r>
+            <a:r>
+              <a:rPr lang="en-US" dirty="0" err="1"/>
+              <a:t>CATG.abstractXXX</a:t>
+            </a:r>
+            <a:r>
+              <a:rPr lang="en-US" dirty="0"/>
+              <a:t>(v) could be symbolic</a:t>
+            </a:r>
+            <a:r>
+              <a:rPr lang="en-US" dirty="0" smtClean="0"/>
+              <a:t>.</a:t>
+            </a:r>
+            <a:endParaRPr lang="en-US" dirty="0"/>
+          </a:p>
+          <a:p>
+            <a:r>
+              <a:rPr lang="en-US" dirty="0" smtClean="0"/>
+              <a:t>Avoid </a:t>
+            </a:r>
+            <a:r>
+              <a:rPr lang="en-US" dirty="0"/>
+              <a:t>restarting JVM for each test input.  This will take considerable effort, but it could speedup CATG by a factor of 5X </a:t>
+            </a:r>
+            <a:r>
+              <a:rPr lang="en-US" dirty="0" smtClean="0"/>
+              <a:t>– 100X.</a:t>
+            </a:r>
+          </a:p>
+          <a:p>
+            <a:r>
+              <a:rPr lang="en-US" dirty="0" smtClean="0"/>
+              <a:t>Once evaluation results of annotation mechanism are available, write a paper on the annotation mechanism</a:t>
+            </a:r>
+            <a:endParaRPr lang="en-US" dirty="0"/>
+          </a:p>
+        </p:txBody>
+      </p:sp>
+    </p:spTree>
+    <p:extLst>
+      <p:ext uri="{BB962C8B-B14F-4D97-AF65-F5344CB8AC3E}">
+        <p14:creationId xmlns:p14="http://schemas.microsoft.com/office/powerpoint/2010/main" val="3006018595"/>
       </p:ext>
     </p:extLst>
   </p:cSld>
@@ -7333,7 +7824,6 @@
               <a:rPr lang="en-US" dirty="0"/>
               <a:t>(1,ret).  This will force Where clause to return true.</a:t>
             </a:r>
-            <a:endParaRPr lang="en-US" dirty="0"/>
           </a:p>
         </p:txBody>
       </p:sp>
